--- a/디자인 패턴/디자인 패턴.pptx
+++ b/디자인 패턴/디자인 패턴.pptx
@@ -9,6 +9,11 @@
     <p:sldId id="259" r:id="rId3"/>
     <p:sldId id="281" r:id="rId4"/>
     <p:sldId id="282" r:id="rId5"/>
+    <p:sldId id="283" r:id="rId6"/>
+    <p:sldId id="284" r:id="rId7"/>
+    <p:sldId id="285" r:id="rId8"/>
+    <p:sldId id="286" r:id="rId9"/>
+    <p:sldId id="287" r:id="rId10"/>
   </p:sldIdLst>
   <p:sldSz cx="12192000" cy="6858000"/>
   <p:notesSz cx="6858000" cy="9144000"/>
@@ -262,7 +267,7 @@
           <a:p>
             <a:fld id="{E4C6CBF0-18F0-4717-B4AE-F2BA785719E2}" type="datetimeFigureOut">
               <a:rPr lang="ko-KR" altLang="en-US" smtClean="0"/>
-              <a:t>2021-04-26</a:t>
+              <a:t>2021-04-27</a:t>
             </a:fld>
             <a:endParaRPr lang="ko-KR" altLang="en-US"/>
           </a:p>
@@ -460,7 +465,7 @@
           <a:p>
             <a:fld id="{E4C6CBF0-18F0-4717-B4AE-F2BA785719E2}" type="datetimeFigureOut">
               <a:rPr lang="ko-KR" altLang="en-US" smtClean="0"/>
-              <a:t>2021-04-26</a:t>
+              <a:t>2021-04-27</a:t>
             </a:fld>
             <a:endParaRPr lang="ko-KR" altLang="en-US"/>
           </a:p>
@@ -668,7 +673,7 @@
           <a:p>
             <a:fld id="{E4C6CBF0-18F0-4717-B4AE-F2BA785719E2}" type="datetimeFigureOut">
               <a:rPr lang="ko-KR" altLang="en-US" smtClean="0"/>
-              <a:t>2021-04-26</a:t>
+              <a:t>2021-04-27</a:t>
             </a:fld>
             <a:endParaRPr lang="ko-KR" altLang="en-US"/>
           </a:p>
@@ -866,7 +871,7 @@
           <a:p>
             <a:fld id="{E4C6CBF0-18F0-4717-B4AE-F2BA785719E2}" type="datetimeFigureOut">
               <a:rPr lang="ko-KR" altLang="en-US" smtClean="0"/>
-              <a:t>2021-04-26</a:t>
+              <a:t>2021-04-27</a:t>
             </a:fld>
             <a:endParaRPr lang="ko-KR" altLang="en-US"/>
           </a:p>
@@ -1141,7 +1146,7 @@
           <a:p>
             <a:fld id="{E4C6CBF0-18F0-4717-B4AE-F2BA785719E2}" type="datetimeFigureOut">
               <a:rPr lang="ko-KR" altLang="en-US" smtClean="0"/>
-              <a:t>2021-04-26</a:t>
+              <a:t>2021-04-27</a:t>
             </a:fld>
             <a:endParaRPr lang="ko-KR" altLang="en-US"/>
           </a:p>
@@ -1406,7 +1411,7 @@
           <a:p>
             <a:fld id="{E4C6CBF0-18F0-4717-B4AE-F2BA785719E2}" type="datetimeFigureOut">
               <a:rPr lang="ko-KR" altLang="en-US" smtClean="0"/>
-              <a:t>2021-04-26</a:t>
+              <a:t>2021-04-27</a:t>
             </a:fld>
             <a:endParaRPr lang="ko-KR" altLang="en-US"/>
           </a:p>
@@ -1818,7 +1823,7 @@
           <a:p>
             <a:fld id="{E4C6CBF0-18F0-4717-B4AE-F2BA785719E2}" type="datetimeFigureOut">
               <a:rPr lang="ko-KR" altLang="en-US" smtClean="0"/>
-              <a:t>2021-04-26</a:t>
+              <a:t>2021-04-27</a:t>
             </a:fld>
             <a:endParaRPr lang="ko-KR" altLang="en-US"/>
           </a:p>
@@ -1959,7 +1964,7 @@
           <a:p>
             <a:fld id="{E4C6CBF0-18F0-4717-B4AE-F2BA785719E2}" type="datetimeFigureOut">
               <a:rPr lang="ko-KR" altLang="en-US" smtClean="0"/>
-              <a:t>2021-04-26</a:t>
+              <a:t>2021-04-27</a:t>
             </a:fld>
             <a:endParaRPr lang="ko-KR" altLang="en-US"/>
           </a:p>
@@ -2072,7 +2077,7 @@
           <a:p>
             <a:fld id="{E4C6CBF0-18F0-4717-B4AE-F2BA785719E2}" type="datetimeFigureOut">
               <a:rPr lang="ko-KR" altLang="en-US" smtClean="0"/>
-              <a:t>2021-04-26</a:t>
+              <a:t>2021-04-27</a:t>
             </a:fld>
             <a:endParaRPr lang="ko-KR" altLang="en-US"/>
           </a:p>
@@ -2383,7 +2388,7 @@
           <a:p>
             <a:fld id="{E4C6CBF0-18F0-4717-B4AE-F2BA785719E2}" type="datetimeFigureOut">
               <a:rPr lang="ko-KR" altLang="en-US" smtClean="0"/>
-              <a:t>2021-04-26</a:t>
+              <a:t>2021-04-27</a:t>
             </a:fld>
             <a:endParaRPr lang="ko-KR" altLang="en-US"/>
           </a:p>
@@ -2671,7 +2676,7 @@
           <a:p>
             <a:fld id="{E4C6CBF0-18F0-4717-B4AE-F2BA785719E2}" type="datetimeFigureOut">
               <a:rPr lang="ko-KR" altLang="en-US" smtClean="0"/>
-              <a:t>2021-04-26</a:t>
+              <a:t>2021-04-27</a:t>
             </a:fld>
             <a:endParaRPr lang="ko-KR" altLang="en-US"/>
           </a:p>
@@ -2912,7 +2917,7 @@
           <a:p>
             <a:fld id="{E4C6CBF0-18F0-4717-B4AE-F2BA785719E2}" type="datetimeFigureOut">
               <a:rPr lang="ko-KR" altLang="en-US" smtClean="0"/>
-              <a:t>2021-04-26</a:t>
+              <a:t>2021-04-27</a:t>
             </a:fld>
             <a:endParaRPr lang="ko-KR" altLang="en-US"/>
           </a:p>
@@ -3930,7 +3935,7 @@
                 <a:latin typeface="나눔스퀘어" panose="020B0600000101010101" pitchFamily="50" charset="-127"/>
                 <a:ea typeface="나눔스퀘어" panose="020B0600000101010101" pitchFamily="50" charset="-127"/>
               </a:rPr>
-              <a:t>팩토리 메소드</a:t>
+              <a:t>팩토리 메소드 패턴</a:t>
             </a:r>
             <a:endParaRPr lang="en-US" altLang="ko-KR" sz="1800">
               <a:latin typeface="나눔스퀘어" panose="020B0600000101010101" pitchFamily="50" charset="-127"/>
@@ -3939,10 +3944,640 @@
           </a:p>
         </p:txBody>
       </p:sp>
+      <p:pic>
+        <p:nvPicPr>
+          <p:cNvPr id="3" name="그림 2">
+            <a:extLst>
+              <a:ext uri="{FF2B5EF4-FFF2-40B4-BE49-F238E27FC236}">
+                <a16:creationId xmlns:a16="http://schemas.microsoft.com/office/drawing/2014/main" id="{55BA308B-74C7-473E-8576-5058158909E4}"/>
+              </a:ext>
+            </a:extLst>
+          </p:cNvPr>
+          <p:cNvPicPr>
+            <a:picLocks noChangeAspect="1"/>
+          </p:cNvPicPr>
+          <p:nvPr/>
+        </p:nvPicPr>
+        <p:blipFill>
+          <a:blip r:embed="rId2"/>
+          <a:stretch>
+            <a:fillRect/>
+          </a:stretch>
+        </p:blipFill>
+        <p:spPr>
+          <a:xfrm>
+            <a:off x="2481262" y="1447800"/>
+            <a:ext cx="7229475" cy="3962400"/>
+          </a:xfrm>
+          <a:prstGeom prst="rect">
+            <a:avLst/>
+          </a:prstGeom>
+        </p:spPr>
+      </p:pic>
     </p:spTree>
     <p:extLst>
       <p:ext uri="{BB962C8B-B14F-4D97-AF65-F5344CB8AC3E}">
         <p14:creationId xmlns:p14="http://schemas.microsoft.com/office/powerpoint/2010/main" val="1177981854"/>
+      </p:ext>
+    </p:extLst>
+  </p:cSld>
+  <p:clrMapOvr>
+    <a:masterClrMapping/>
+  </p:clrMapOvr>
+</p:sld>
+</file>
+
+<file path=ppt/slides/slide5.xml><?xml version="1.0" encoding="utf-8"?>
+<p:sld xmlns:a="http://schemas.openxmlformats.org/drawingml/2006/main" xmlns:r="http://schemas.openxmlformats.org/officeDocument/2006/relationships" xmlns:p="http://schemas.openxmlformats.org/presentationml/2006/main">
+  <p:cSld>
+    <p:spTree>
+      <p:nvGrpSpPr>
+        <p:cNvPr id="1" name=""/>
+        <p:cNvGrpSpPr/>
+        <p:nvPr/>
+      </p:nvGrpSpPr>
+      <p:grpSpPr>
+        <a:xfrm>
+          <a:off x="0" y="0"/>
+          <a:ext cx="0" cy="0"/>
+          <a:chOff x="0" y="0"/>
+          <a:chExt cx="0" cy="0"/>
+        </a:xfrm>
+      </p:grpSpPr>
+      <p:sp>
+        <p:nvSpPr>
+          <p:cNvPr id="4" name="TextBox 3">
+            <a:extLst>
+              <a:ext uri="{FF2B5EF4-FFF2-40B4-BE49-F238E27FC236}">
+                <a16:creationId xmlns:a16="http://schemas.microsoft.com/office/drawing/2014/main" id="{4F47A168-77F1-4A09-B216-E6DD33D57A22}"/>
+              </a:ext>
+            </a:extLst>
+          </p:cNvPr>
+          <p:cNvSpPr txBox="1"/>
+          <p:nvPr/>
+        </p:nvSpPr>
+        <p:spPr>
+          <a:xfrm>
+            <a:off x="252919" y="211688"/>
+            <a:ext cx="5399736" cy="369332"/>
+          </a:xfrm>
+          <a:prstGeom prst="rect">
+            <a:avLst/>
+          </a:prstGeom>
+          <a:noFill/>
+        </p:spPr>
+        <p:txBody>
+          <a:bodyPr wrap="square" rtlCol="0">
+            <a:spAutoFit/>
+          </a:bodyPr>
+          <a:lstStyle/>
+          <a:p>
+            <a:r>
+              <a:rPr lang="ko-KR" altLang="en-US" sz="1800">
+                <a:latin typeface="나눔스퀘어" panose="020B0600000101010101" pitchFamily="50" charset="-127"/>
+                <a:ea typeface="나눔스퀘어" panose="020B0600000101010101" pitchFamily="50" charset="-127"/>
+              </a:rPr>
+              <a:t>팩토리 메소드 패턴</a:t>
+            </a:r>
+            <a:endParaRPr lang="en-US" altLang="ko-KR" sz="1800">
+              <a:latin typeface="나눔스퀘어" panose="020B0600000101010101" pitchFamily="50" charset="-127"/>
+              <a:ea typeface="나눔스퀘어" panose="020B0600000101010101" pitchFamily="50" charset="-127"/>
+            </a:endParaRPr>
+          </a:p>
+        </p:txBody>
+      </p:sp>
+      <p:pic>
+        <p:nvPicPr>
+          <p:cNvPr id="6" name="그림 5">
+            <a:extLst>
+              <a:ext uri="{FF2B5EF4-FFF2-40B4-BE49-F238E27FC236}">
+                <a16:creationId xmlns:a16="http://schemas.microsoft.com/office/drawing/2014/main" id="{F9C705E4-2006-43CB-A92F-2BB2634B1BAF}"/>
+              </a:ext>
+            </a:extLst>
+          </p:cNvPr>
+          <p:cNvPicPr>
+            <a:picLocks noChangeAspect="1"/>
+          </p:cNvPicPr>
+          <p:nvPr/>
+        </p:nvPicPr>
+        <p:blipFill>
+          <a:blip r:embed="rId2"/>
+          <a:stretch>
+            <a:fillRect/>
+          </a:stretch>
+        </p:blipFill>
+        <p:spPr>
+          <a:xfrm>
+            <a:off x="3667385" y="1513781"/>
+            <a:ext cx="4657725" cy="704850"/>
+          </a:xfrm>
+          <a:prstGeom prst="rect">
+            <a:avLst/>
+          </a:prstGeom>
+        </p:spPr>
+      </p:pic>
+      <p:pic>
+        <p:nvPicPr>
+          <p:cNvPr id="5" name="그림 4">
+            <a:extLst>
+              <a:ext uri="{FF2B5EF4-FFF2-40B4-BE49-F238E27FC236}">
+                <a16:creationId xmlns:a16="http://schemas.microsoft.com/office/drawing/2014/main" id="{7F08BCB9-3348-41DB-8871-66D1CC930DA2}"/>
+              </a:ext>
+            </a:extLst>
+          </p:cNvPr>
+          <p:cNvPicPr>
+            <a:picLocks noChangeAspect="1"/>
+          </p:cNvPicPr>
+          <p:nvPr/>
+        </p:nvPicPr>
+        <p:blipFill>
+          <a:blip r:embed="rId3"/>
+          <a:stretch>
+            <a:fillRect/>
+          </a:stretch>
+        </p:blipFill>
+        <p:spPr>
+          <a:xfrm>
+            <a:off x="3684270" y="2489142"/>
+            <a:ext cx="4457700" cy="3143250"/>
+          </a:xfrm>
+          <a:prstGeom prst="rect">
+            <a:avLst/>
+          </a:prstGeom>
+        </p:spPr>
+      </p:pic>
+    </p:spTree>
+    <p:extLst>
+      <p:ext uri="{BB962C8B-B14F-4D97-AF65-F5344CB8AC3E}">
+        <p14:creationId xmlns:p14="http://schemas.microsoft.com/office/powerpoint/2010/main" val="151481793"/>
+      </p:ext>
+    </p:extLst>
+  </p:cSld>
+  <p:clrMapOvr>
+    <a:masterClrMapping/>
+  </p:clrMapOvr>
+</p:sld>
+</file>
+
+<file path=ppt/slides/slide6.xml><?xml version="1.0" encoding="utf-8"?>
+<p:sld xmlns:a="http://schemas.openxmlformats.org/drawingml/2006/main" xmlns:r="http://schemas.openxmlformats.org/officeDocument/2006/relationships" xmlns:p="http://schemas.openxmlformats.org/presentationml/2006/main">
+  <p:cSld>
+    <p:spTree>
+      <p:nvGrpSpPr>
+        <p:cNvPr id="1" name=""/>
+        <p:cNvGrpSpPr/>
+        <p:nvPr/>
+      </p:nvGrpSpPr>
+      <p:grpSpPr>
+        <a:xfrm>
+          <a:off x="0" y="0"/>
+          <a:ext cx="0" cy="0"/>
+          <a:chOff x="0" y="0"/>
+          <a:chExt cx="0" cy="0"/>
+        </a:xfrm>
+      </p:grpSpPr>
+      <p:sp>
+        <p:nvSpPr>
+          <p:cNvPr id="4" name="TextBox 3">
+            <a:extLst>
+              <a:ext uri="{FF2B5EF4-FFF2-40B4-BE49-F238E27FC236}">
+                <a16:creationId xmlns:a16="http://schemas.microsoft.com/office/drawing/2014/main" id="{4F47A168-77F1-4A09-B216-E6DD33D57A22}"/>
+              </a:ext>
+            </a:extLst>
+          </p:cNvPr>
+          <p:cNvSpPr txBox="1"/>
+          <p:nvPr/>
+        </p:nvSpPr>
+        <p:spPr>
+          <a:xfrm>
+            <a:off x="252919" y="211688"/>
+            <a:ext cx="5399736" cy="369332"/>
+          </a:xfrm>
+          <a:prstGeom prst="rect">
+            <a:avLst/>
+          </a:prstGeom>
+          <a:noFill/>
+        </p:spPr>
+        <p:txBody>
+          <a:bodyPr wrap="square" rtlCol="0">
+            <a:spAutoFit/>
+          </a:bodyPr>
+          <a:lstStyle/>
+          <a:p>
+            <a:r>
+              <a:rPr lang="ko-KR" altLang="en-US" sz="1800">
+                <a:latin typeface="나눔스퀘어" panose="020B0600000101010101" pitchFamily="50" charset="-127"/>
+                <a:ea typeface="나눔스퀘어" panose="020B0600000101010101" pitchFamily="50" charset="-127"/>
+              </a:rPr>
+              <a:t>팩토리 메소드 패턴</a:t>
+            </a:r>
+            <a:endParaRPr lang="en-US" altLang="ko-KR" sz="1800">
+              <a:latin typeface="나눔스퀘어" panose="020B0600000101010101" pitchFamily="50" charset="-127"/>
+              <a:ea typeface="나눔스퀘어" panose="020B0600000101010101" pitchFamily="50" charset="-127"/>
+            </a:endParaRPr>
+          </a:p>
+        </p:txBody>
+      </p:sp>
+      <p:pic>
+        <p:nvPicPr>
+          <p:cNvPr id="8" name="그림 7">
+            <a:extLst>
+              <a:ext uri="{FF2B5EF4-FFF2-40B4-BE49-F238E27FC236}">
+                <a16:creationId xmlns:a16="http://schemas.microsoft.com/office/drawing/2014/main" id="{2EE89C1C-5DBC-4F7C-A3B9-F75EA193CF27}"/>
+              </a:ext>
+            </a:extLst>
+          </p:cNvPr>
+          <p:cNvPicPr>
+            <a:picLocks noChangeAspect="1"/>
+          </p:cNvPicPr>
+          <p:nvPr/>
+        </p:nvPicPr>
+        <p:blipFill>
+          <a:blip r:embed="rId2"/>
+          <a:stretch>
+            <a:fillRect/>
+          </a:stretch>
+        </p:blipFill>
+        <p:spPr>
+          <a:xfrm>
+            <a:off x="2357437" y="1333500"/>
+            <a:ext cx="7477125" cy="4191000"/>
+          </a:xfrm>
+          <a:prstGeom prst="rect">
+            <a:avLst/>
+          </a:prstGeom>
+        </p:spPr>
+      </p:pic>
+    </p:spTree>
+    <p:extLst>
+      <p:ext uri="{BB962C8B-B14F-4D97-AF65-F5344CB8AC3E}">
+        <p14:creationId xmlns:p14="http://schemas.microsoft.com/office/powerpoint/2010/main" val="307621697"/>
+      </p:ext>
+    </p:extLst>
+  </p:cSld>
+  <p:clrMapOvr>
+    <a:masterClrMapping/>
+  </p:clrMapOvr>
+</p:sld>
+</file>
+
+<file path=ppt/slides/slide7.xml><?xml version="1.0" encoding="utf-8"?>
+<p:sld xmlns:a="http://schemas.openxmlformats.org/drawingml/2006/main" xmlns:r="http://schemas.openxmlformats.org/officeDocument/2006/relationships" xmlns:p="http://schemas.openxmlformats.org/presentationml/2006/main">
+  <p:cSld>
+    <p:spTree>
+      <p:nvGrpSpPr>
+        <p:cNvPr id="1" name=""/>
+        <p:cNvGrpSpPr/>
+        <p:nvPr/>
+      </p:nvGrpSpPr>
+      <p:grpSpPr>
+        <a:xfrm>
+          <a:off x="0" y="0"/>
+          <a:ext cx="0" cy="0"/>
+          <a:chOff x="0" y="0"/>
+          <a:chExt cx="0" cy="0"/>
+        </a:xfrm>
+      </p:grpSpPr>
+      <p:sp>
+        <p:nvSpPr>
+          <p:cNvPr id="4" name="TextBox 3">
+            <a:extLst>
+              <a:ext uri="{FF2B5EF4-FFF2-40B4-BE49-F238E27FC236}">
+                <a16:creationId xmlns:a16="http://schemas.microsoft.com/office/drawing/2014/main" id="{4F47A168-77F1-4A09-B216-E6DD33D57A22}"/>
+              </a:ext>
+            </a:extLst>
+          </p:cNvPr>
+          <p:cNvSpPr txBox="1"/>
+          <p:nvPr/>
+        </p:nvSpPr>
+        <p:spPr>
+          <a:xfrm>
+            <a:off x="252919" y="211688"/>
+            <a:ext cx="5399736" cy="369332"/>
+          </a:xfrm>
+          <a:prstGeom prst="rect">
+            <a:avLst/>
+          </a:prstGeom>
+          <a:noFill/>
+        </p:spPr>
+        <p:txBody>
+          <a:bodyPr wrap="square" rtlCol="0">
+            <a:spAutoFit/>
+          </a:bodyPr>
+          <a:lstStyle/>
+          <a:p>
+            <a:r>
+              <a:rPr lang="ko-KR" altLang="en-US" sz="1800">
+                <a:latin typeface="나눔스퀘어" panose="020B0600000101010101" pitchFamily="50" charset="-127"/>
+                <a:ea typeface="나눔스퀘어" panose="020B0600000101010101" pitchFamily="50" charset="-127"/>
+              </a:rPr>
+              <a:t>추상 팩토리 메소드 패턴</a:t>
+            </a:r>
+            <a:endParaRPr lang="en-US" altLang="ko-KR" sz="1800">
+              <a:latin typeface="나눔스퀘어" panose="020B0600000101010101" pitchFamily="50" charset="-127"/>
+              <a:ea typeface="나눔스퀘어" panose="020B0600000101010101" pitchFamily="50" charset="-127"/>
+            </a:endParaRPr>
+          </a:p>
+        </p:txBody>
+      </p:sp>
+      <p:pic>
+        <p:nvPicPr>
+          <p:cNvPr id="8" name="그림 7">
+            <a:extLst>
+              <a:ext uri="{FF2B5EF4-FFF2-40B4-BE49-F238E27FC236}">
+                <a16:creationId xmlns:a16="http://schemas.microsoft.com/office/drawing/2014/main" id="{AA23DBAF-C206-4A9B-9253-339CAE0895EA}"/>
+              </a:ext>
+            </a:extLst>
+          </p:cNvPr>
+          <p:cNvPicPr>
+            <a:picLocks noChangeAspect="1"/>
+          </p:cNvPicPr>
+          <p:nvPr/>
+        </p:nvPicPr>
+        <p:blipFill>
+          <a:blip r:embed="rId2"/>
+          <a:stretch>
+            <a:fillRect/>
+          </a:stretch>
+        </p:blipFill>
+        <p:spPr>
+          <a:xfrm>
+            <a:off x="534352" y="1259205"/>
+            <a:ext cx="3686175" cy="742950"/>
+          </a:xfrm>
+          <a:prstGeom prst="rect">
+            <a:avLst/>
+          </a:prstGeom>
+        </p:spPr>
+      </p:pic>
+      <p:pic>
+        <p:nvPicPr>
+          <p:cNvPr id="10" name="그림 9">
+            <a:extLst>
+              <a:ext uri="{FF2B5EF4-FFF2-40B4-BE49-F238E27FC236}">
+                <a16:creationId xmlns:a16="http://schemas.microsoft.com/office/drawing/2014/main" id="{50355E4C-58E6-4D7F-ACFE-EFA87401490A}"/>
+              </a:ext>
+            </a:extLst>
+          </p:cNvPr>
+          <p:cNvPicPr>
+            <a:picLocks noChangeAspect="1"/>
+          </p:cNvPicPr>
+          <p:nvPr/>
+        </p:nvPicPr>
+        <p:blipFill>
+          <a:blip r:embed="rId3"/>
+          <a:stretch>
+            <a:fillRect/>
+          </a:stretch>
+        </p:blipFill>
+        <p:spPr>
+          <a:xfrm>
+            <a:off x="480060" y="2617470"/>
+            <a:ext cx="4495800" cy="1257300"/>
+          </a:xfrm>
+          <a:prstGeom prst="rect">
+            <a:avLst/>
+          </a:prstGeom>
+        </p:spPr>
+      </p:pic>
+      <p:pic>
+        <p:nvPicPr>
+          <p:cNvPr id="12" name="그림 11">
+            <a:extLst>
+              <a:ext uri="{FF2B5EF4-FFF2-40B4-BE49-F238E27FC236}">
+                <a16:creationId xmlns:a16="http://schemas.microsoft.com/office/drawing/2014/main" id="{C86BA43A-19C6-4650-B098-D72483F5107C}"/>
+              </a:ext>
+            </a:extLst>
+          </p:cNvPr>
+          <p:cNvPicPr>
+            <a:picLocks noChangeAspect="1"/>
+          </p:cNvPicPr>
+          <p:nvPr/>
+        </p:nvPicPr>
+        <p:blipFill>
+          <a:blip r:embed="rId4"/>
+          <a:stretch>
+            <a:fillRect/>
+          </a:stretch>
+        </p:blipFill>
+        <p:spPr>
+          <a:xfrm>
+            <a:off x="6759892" y="1217295"/>
+            <a:ext cx="3914775" cy="1314450"/>
+          </a:xfrm>
+          <a:prstGeom prst="rect">
+            <a:avLst/>
+          </a:prstGeom>
+        </p:spPr>
+      </p:pic>
+      <p:pic>
+        <p:nvPicPr>
+          <p:cNvPr id="14" name="그림 13">
+            <a:extLst>
+              <a:ext uri="{FF2B5EF4-FFF2-40B4-BE49-F238E27FC236}">
+                <a16:creationId xmlns:a16="http://schemas.microsoft.com/office/drawing/2014/main" id="{09F1861B-502D-43F7-8B5F-82D93FF2924A}"/>
+              </a:ext>
+            </a:extLst>
+          </p:cNvPr>
+          <p:cNvPicPr>
+            <a:picLocks noChangeAspect="1"/>
+          </p:cNvPicPr>
+          <p:nvPr/>
+        </p:nvPicPr>
+        <p:blipFill>
+          <a:blip r:embed="rId5"/>
+          <a:stretch>
+            <a:fillRect/>
+          </a:stretch>
+        </p:blipFill>
+        <p:spPr>
+          <a:xfrm>
+            <a:off x="6774180" y="2857500"/>
+            <a:ext cx="3886200" cy="1295400"/>
+          </a:xfrm>
+          <a:prstGeom prst="rect">
+            <a:avLst/>
+          </a:prstGeom>
+        </p:spPr>
+      </p:pic>
+    </p:spTree>
+    <p:extLst>
+      <p:ext uri="{BB962C8B-B14F-4D97-AF65-F5344CB8AC3E}">
+        <p14:creationId xmlns:p14="http://schemas.microsoft.com/office/powerpoint/2010/main" val="4203706904"/>
+      </p:ext>
+    </p:extLst>
+  </p:cSld>
+  <p:clrMapOvr>
+    <a:masterClrMapping/>
+  </p:clrMapOvr>
+</p:sld>
+</file>
+
+<file path=ppt/slides/slide8.xml><?xml version="1.0" encoding="utf-8"?>
+<p:sld xmlns:a="http://schemas.openxmlformats.org/drawingml/2006/main" xmlns:r="http://schemas.openxmlformats.org/officeDocument/2006/relationships" xmlns:p="http://schemas.openxmlformats.org/presentationml/2006/main">
+  <p:cSld>
+    <p:spTree>
+      <p:nvGrpSpPr>
+        <p:cNvPr id="1" name=""/>
+        <p:cNvGrpSpPr/>
+        <p:nvPr/>
+      </p:nvGrpSpPr>
+      <p:grpSpPr>
+        <a:xfrm>
+          <a:off x="0" y="0"/>
+          <a:ext cx="0" cy="0"/>
+          <a:chOff x="0" y="0"/>
+          <a:chExt cx="0" cy="0"/>
+        </a:xfrm>
+      </p:grpSpPr>
+      <p:sp>
+        <p:nvSpPr>
+          <p:cNvPr id="4" name="TextBox 3">
+            <a:extLst>
+              <a:ext uri="{FF2B5EF4-FFF2-40B4-BE49-F238E27FC236}">
+                <a16:creationId xmlns:a16="http://schemas.microsoft.com/office/drawing/2014/main" id="{4F47A168-77F1-4A09-B216-E6DD33D57A22}"/>
+              </a:ext>
+            </a:extLst>
+          </p:cNvPr>
+          <p:cNvSpPr txBox="1"/>
+          <p:nvPr/>
+        </p:nvSpPr>
+        <p:spPr>
+          <a:xfrm>
+            <a:off x="252919" y="211688"/>
+            <a:ext cx="5399736" cy="369332"/>
+          </a:xfrm>
+          <a:prstGeom prst="rect">
+            <a:avLst/>
+          </a:prstGeom>
+          <a:noFill/>
+        </p:spPr>
+        <p:txBody>
+          <a:bodyPr wrap="square" rtlCol="0">
+            <a:spAutoFit/>
+          </a:bodyPr>
+          <a:lstStyle/>
+          <a:p>
+            <a:r>
+              <a:rPr lang="ko-KR" altLang="en-US" sz="1800">
+                <a:latin typeface="나눔스퀘어" panose="020B0600000101010101" pitchFamily="50" charset="-127"/>
+                <a:ea typeface="나눔스퀘어" panose="020B0600000101010101" pitchFamily="50" charset="-127"/>
+              </a:rPr>
+              <a:t>추상 팩토리 메소드 패턴</a:t>
+            </a:r>
+            <a:endParaRPr lang="en-US" altLang="ko-KR" sz="1800">
+              <a:latin typeface="나눔스퀘어" panose="020B0600000101010101" pitchFamily="50" charset="-127"/>
+              <a:ea typeface="나눔스퀘어" panose="020B0600000101010101" pitchFamily="50" charset="-127"/>
+            </a:endParaRPr>
+          </a:p>
+        </p:txBody>
+      </p:sp>
+      <p:pic>
+        <p:nvPicPr>
+          <p:cNvPr id="3" name="그림 2">
+            <a:extLst>
+              <a:ext uri="{FF2B5EF4-FFF2-40B4-BE49-F238E27FC236}">
+                <a16:creationId xmlns:a16="http://schemas.microsoft.com/office/drawing/2014/main" id="{4155AA59-8C9E-4147-887C-B8102D7C5244}"/>
+              </a:ext>
+            </a:extLst>
+          </p:cNvPr>
+          <p:cNvPicPr>
+            <a:picLocks noChangeAspect="1"/>
+          </p:cNvPicPr>
+          <p:nvPr/>
+        </p:nvPicPr>
+        <p:blipFill>
+          <a:blip r:embed="rId2"/>
+          <a:stretch>
+            <a:fillRect/>
+          </a:stretch>
+        </p:blipFill>
+        <p:spPr>
+          <a:xfrm>
+            <a:off x="2690812" y="1214437"/>
+            <a:ext cx="6810375" cy="4429125"/>
+          </a:xfrm>
+          <a:prstGeom prst="rect">
+            <a:avLst/>
+          </a:prstGeom>
+        </p:spPr>
+      </p:pic>
+    </p:spTree>
+    <p:extLst>
+      <p:ext uri="{BB962C8B-B14F-4D97-AF65-F5344CB8AC3E}">
+        <p14:creationId xmlns:p14="http://schemas.microsoft.com/office/powerpoint/2010/main" val="1125394591"/>
+      </p:ext>
+    </p:extLst>
+  </p:cSld>
+  <p:clrMapOvr>
+    <a:masterClrMapping/>
+  </p:clrMapOvr>
+</p:sld>
+</file>
+
+<file path=ppt/slides/slide9.xml><?xml version="1.0" encoding="utf-8"?>
+<p:sld xmlns:a="http://schemas.openxmlformats.org/drawingml/2006/main" xmlns:r="http://schemas.openxmlformats.org/officeDocument/2006/relationships" xmlns:p="http://schemas.openxmlformats.org/presentationml/2006/main">
+  <p:cSld>
+    <p:spTree>
+      <p:nvGrpSpPr>
+        <p:cNvPr id="1" name=""/>
+        <p:cNvGrpSpPr/>
+        <p:nvPr/>
+      </p:nvGrpSpPr>
+      <p:grpSpPr>
+        <a:xfrm>
+          <a:off x="0" y="0"/>
+          <a:ext cx="0" cy="0"/>
+          <a:chOff x="0" y="0"/>
+          <a:chExt cx="0" cy="0"/>
+        </a:xfrm>
+      </p:grpSpPr>
+      <p:sp>
+        <p:nvSpPr>
+          <p:cNvPr id="4" name="TextBox 3">
+            <a:extLst>
+              <a:ext uri="{FF2B5EF4-FFF2-40B4-BE49-F238E27FC236}">
+                <a16:creationId xmlns:a16="http://schemas.microsoft.com/office/drawing/2014/main" id="{4F47A168-77F1-4A09-B216-E6DD33D57A22}"/>
+              </a:ext>
+            </a:extLst>
+          </p:cNvPr>
+          <p:cNvSpPr txBox="1"/>
+          <p:nvPr/>
+        </p:nvSpPr>
+        <p:spPr>
+          <a:xfrm>
+            <a:off x="252919" y="211688"/>
+            <a:ext cx="5399736" cy="369332"/>
+          </a:xfrm>
+          <a:prstGeom prst="rect">
+            <a:avLst/>
+          </a:prstGeom>
+          <a:noFill/>
+        </p:spPr>
+        <p:txBody>
+          <a:bodyPr wrap="square" rtlCol="0">
+            <a:spAutoFit/>
+          </a:bodyPr>
+          <a:lstStyle/>
+          <a:p>
+            <a:r>
+              <a:rPr lang="ko-KR" altLang="en-US">
+                <a:latin typeface="나눔스퀘어" panose="020B0600000101010101" pitchFamily="50" charset="-127"/>
+                <a:ea typeface="나눔스퀘어" panose="020B0600000101010101" pitchFamily="50" charset="-127"/>
+              </a:rPr>
+              <a:t>옵저버 패턴</a:t>
+            </a:r>
+            <a:endParaRPr lang="en-US" altLang="ko-KR" sz="1800">
+              <a:latin typeface="나눔스퀘어" panose="020B0600000101010101" pitchFamily="50" charset="-127"/>
+              <a:ea typeface="나눔스퀘어" panose="020B0600000101010101" pitchFamily="50" charset="-127"/>
+            </a:endParaRPr>
+          </a:p>
+        </p:txBody>
+      </p:sp>
+    </p:spTree>
+    <p:extLst>
+      <p:ext uri="{BB962C8B-B14F-4D97-AF65-F5344CB8AC3E}">
+        <p14:creationId xmlns:p14="http://schemas.microsoft.com/office/powerpoint/2010/main" val="3312061215"/>
       </p:ext>
     </p:extLst>
   </p:cSld>

--- a/디자인 패턴/디자인 패턴.pptx
+++ b/디자인 패턴/디자인 패턴.pptx
@@ -14,6 +14,8 @@
     <p:sldId id="285" r:id="rId8"/>
     <p:sldId id="286" r:id="rId9"/>
     <p:sldId id="287" r:id="rId10"/>
+    <p:sldId id="288" r:id="rId11"/>
+    <p:sldId id="289" r:id="rId12"/>
   </p:sldIdLst>
   <p:sldSz cx="12192000" cy="6858000"/>
   <p:notesSz cx="6858000" cy="9144000"/>
@@ -267,7 +269,7 @@
           <a:p>
             <a:fld id="{E4C6CBF0-18F0-4717-B4AE-F2BA785719E2}" type="datetimeFigureOut">
               <a:rPr lang="ko-KR" altLang="en-US" smtClean="0"/>
-              <a:t>2021-04-27</a:t>
+              <a:t>2021-04-29</a:t>
             </a:fld>
             <a:endParaRPr lang="ko-KR" altLang="en-US"/>
           </a:p>
@@ -465,7 +467,7 @@
           <a:p>
             <a:fld id="{E4C6CBF0-18F0-4717-B4AE-F2BA785719E2}" type="datetimeFigureOut">
               <a:rPr lang="ko-KR" altLang="en-US" smtClean="0"/>
-              <a:t>2021-04-27</a:t>
+              <a:t>2021-04-29</a:t>
             </a:fld>
             <a:endParaRPr lang="ko-KR" altLang="en-US"/>
           </a:p>
@@ -673,7 +675,7 @@
           <a:p>
             <a:fld id="{E4C6CBF0-18F0-4717-B4AE-F2BA785719E2}" type="datetimeFigureOut">
               <a:rPr lang="ko-KR" altLang="en-US" smtClean="0"/>
-              <a:t>2021-04-27</a:t>
+              <a:t>2021-04-29</a:t>
             </a:fld>
             <a:endParaRPr lang="ko-KR" altLang="en-US"/>
           </a:p>
@@ -871,7 +873,7 @@
           <a:p>
             <a:fld id="{E4C6CBF0-18F0-4717-B4AE-F2BA785719E2}" type="datetimeFigureOut">
               <a:rPr lang="ko-KR" altLang="en-US" smtClean="0"/>
-              <a:t>2021-04-27</a:t>
+              <a:t>2021-04-29</a:t>
             </a:fld>
             <a:endParaRPr lang="ko-KR" altLang="en-US"/>
           </a:p>
@@ -1146,7 +1148,7 @@
           <a:p>
             <a:fld id="{E4C6CBF0-18F0-4717-B4AE-F2BA785719E2}" type="datetimeFigureOut">
               <a:rPr lang="ko-KR" altLang="en-US" smtClean="0"/>
-              <a:t>2021-04-27</a:t>
+              <a:t>2021-04-29</a:t>
             </a:fld>
             <a:endParaRPr lang="ko-KR" altLang="en-US"/>
           </a:p>
@@ -1411,7 +1413,7 @@
           <a:p>
             <a:fld id="{E4C6CBF0-18F0-4717-B4AE-F2BA785719E2}" type="datetimeFigureOut">
               <a:rPr lang="ko-KR" altLang="en-US" smtClean="0"/>
-              <a:t>2021-04-27</a:t>
+              <a:t>2021-04-29</a:t>
             </a:fld>
             <a:endParaRPr lang="ko-KR" altLang="en-US"/>
           </a:p>
@@ -1823,7 +1825,7 @@
           <a:p>
             <a:fld id="{E4C6CBF0-18F0-4717-B4AE-F2BA785719E2}" type="datetimeFigureOut">
               <a:rPr lang="ko-KR" altLang="en-US" smtClean="0"/>
-              <a:t>2021-04-27</a:t>
+              <a:t>2021-04-29</a:t>
             </a:fld>
             <a:endParaRPr lang="ko-KR" altLang="en-US"/>
           </a:p>
@@ -1964,7 +1966,7 @@
           <a:p>
             <a:fld id="{E4C6CBF0-18F0-4717-B4AE-F2BA785719E2}" type="datetimeFigureOut">
               <a:rPr lang="ko-KR" altLang="en-US" smtClean="0"/>
-              <a:t>2021-04-27</a:t>
+              <a:t>2021-04-29</a:t>
             </a:fld>
             <a:endParaRPr lang="ko-KR" altLang="en-US"/>
           </a:p>
@@ -2077,7 +2079,7 @@
           <a:p>
             <a:fld id="{E4C6CBF0-18F0-4717-B4AE-F2BA785719E2}" type="datetimeFigureOut">
               <a:rPr lang="ko-KR" altLang="en-US" smtClean="0"/>
-              <a:t>2021-04-27</a:t>
+              <a:t>2021-04-29</a:t>
             </a:fld>
             <a:endParaRPr lang="ko-KR" altLang="en-US"/>
           </a:p>
@@ -2388,7 +2390,7 @@
           <a:p>
             <a:fld id="{E4C6CBF0-18F0-4717-B4AE-F2BA785719E2}" type="datetimeFigureOut">
               <a:rPr lang="ko-KR" altLang="en-US" smtClean="0"/>
-              <a:t>2021-04-27</a:t>
+              <a:t>2021-04-29</a:t>
             </a:fld>
             <a:endParaRPr lang="ko-KR" altLang="en-US"/>
           </a:p>
@@ -2676,7 +2678,7 @@
           <a:p>
             <a:fld id="{E4C6CBF0-18F0-4717-B4AE-F2BA785719E2}" type="datetimeFigureOut">
               <a:rPr lang="ko-KR" altLang="en-US" smtClean="0"/>
-              <a:t>2021-04-27</a:t>
+              <a:t>2021-04-29</a:t>
             </a:fld>
             <a:endParaRPr lang="ko-KR" altLang="en-US"/>
           </a:p>
@@ -2917,7 +2919,7 @@
           <a:p>
             <a:fld id="{E4C6CBF0-18F0-4717-B4AE-F2BA785719E2}" type="datetimeFigureOut">
               <a:rPr lang="ko-KR" altLang="en-US" smtClean="0"/>
-              <a:t>2021-04-27</a:t>
+              <a:t>2021-04-29</a:t>
             </a:fld>
             <a:endParaRPr lang="ko-KR" altLang="en-US"/>
           </a:p>
@@ -3556,6 +3558,217 @@
 </p:sld>
 </file>
 
+<file path=ppt/slides/slide10.xml><?xml version="1.0" encoding="utf-8"?>
+<p:sld xmlns:a="http://schemas.openxmlformats.org/drawingml/2006/main" xmlns:r="http://schemas.openxmlformats.org/officeDocument/2006/relationships" xmlns:p="http://schemas.openxmlformats.org/presentationml/2006/main">
+  <p:cSld>
+    <p:spTree>
+      <p:nvGrpSpPr>
+        <p:cNvPr id="1" name=""/>
+        <p:cNvGrpSpPr/>
+        <p:nvPr/>
+      </p:nvGrpSpPr>
+      <p:grpSpPr>
+        <a:xfrm>
+          <a:off x="0" y="0"/>
+          <a:ext cx="0" cy="0"/>
+          <a:chOff x="0" y="0"/>
+          <a:chExt cx="0" cy="0"/>
+        </a:xfrm>
+      </p:grpSpPr>
+      <p:sp>
+        <p:nvSpPr>
+          <p:cNvPr id="4" name="TextBox 3">
+            <a:extLst>
+              <a:ext uri="{FF2B5EF4-FFF2-40B4-BE49-F238E27FC236}">
+                <a16:creationId xmlns:a16="http://schemas.microsoft.com/office/drawing/2014/main" id="{4F47A168-77F1-4A09-B216-E6DD33D57A22}"/>
+              </a:ext>
+            </a:extLst>
+          </p:cNvPr>
+          <p:cNvSpPr txBox="1"/>
+          <p:nvPr/>
+        </p:nvSpPr>
+        <p:spPr>
+          <a:xfrm>
+            <a:off x="252919" y="211688"/>
+            <a:ext cx="5399736" cy="369332"/>
+          </a:xfrm>
+          <a:prstGeom prst="rect">
+            <a:avLst/>
+          </a:prstGeom>
+          <a:noFill/>
+        </p:spPr>
+        <p:txBody>
+          <a:bodyPr wrap="square" rtlCol="0">
+            <a:spAutoFit/>
+          </a:bodyPr>
+          <a:lstStyle/>
+          <a:p>
+            <a:r>
+              <a:rPr lang="ko-KR" altLang="en-US">
+                <a:latin typeface="나눔스퀘어" panose="020B0600000101010101" pitchFamily="50" charset="-127"/>
+                <a:ea typeface="나눔스퀘어" panose="020B0600000101010101" pitchFamily="50" charset="-127"/>
+              </a:rPr>
+              <a:t>옵저버 패턴</a:t>
+            </a:r>
+            <a:endParaRPr lang="en-US" altLang="ko-KR" sz="1800">
+              <a:latin typeface="나눔스퀘어" panose="020B0600000101010101" pitchFamily="50" charset="-127"/>
+              <a:ea typeface="나눔스퀘어" panose="020B0600000101010101" pitchFamily="50" charset="-127"/>
+            </a:endParaRPr>
+          </a:p>
+        </p:txBody>
+      </p:sp>
+      <p:pic>
+        <p:nvPicPr>
+          <p:cNvPr id="5" name="그림 4">
+            <a:extLst>
+              <a:ext uri="{FF2B5EF4-FFF2-40B4-BE49-F238E27FC236}">
+                <a16:creationId xmlns:a16="http://schemas.microsoft.com/office/drawing/2014/main" id="{3184CCDE-D39C-41A5-9CEE-D0CC23B54877}"/>
+              </a:ext>
+            </a:extLst>
+          </p:cNvPr>
+          <p:cNvPicPr>
+            <a:picLocks noChangeAspect="1"/>
+          </p:cNvPicPr>
+          <p:nvPr/>
+        </p:nvPicPr>
+        <p:blipFill>
+          <a:blip r:embed="rId2"/>
+          <a:stretch>
+            <a:fillRect/>
+          </a:stretch>
+        </p:blipFill>
+        <p:spPr>
+          <a:xfrm>
+            <a:off x="339635" y="1255438"/>
+            <a:ext cx="6534150" cy="5276850"/>
+          </a:xfrm>
+          <a:prstGeom prst="rect">
+            <a:avLst/>
+          </a:prstGeom>
+        </p:spPr>
+      </p:pic>
+      <p:pic>
+        <p:nvPicPr>
+          <p:cNvPr id="7" name="그림 6">
+            <a:extLst>
+              <a:ext uri="{FF2B5EF4-FFF2-40B4-BE49-F238E27FC236}">
+                <a16:creationId xmlns:a16="http://schemas.microsoft.com/office/drawing/2014/main" id="{91249925-AE8A-48E8-A96E-97403F31F4E7}"/>
+              </a:ext>
+            </a:extLst>
+          </p:cNvPr>
+          <p:cNvPicPr>
+            <a:picLocks noChangeAspect="1"/>
+          </p:cNvPicPr>
+          <p:nvPr/>
+        </p:nvPicPr>
+        <p:blipFill>
+          <a:blip r:embed="rId3"/>
+          <a:stretch>
+            <a:fillRect/>
+          </a:stretch>
+        </p:blipFill>
+        <p:spPr>
+          <a:xfrm>
+            <a:off x="6541190" y="1249842"/>
+            <a:ext cx="5391150" cy="3086100"/>
+          </a:xfrm>
+          <a:prstGeom prst="rect">
+            <a:avLst/>
+          </a:prstGeom>
+        </p:spPr>
+      </p:pic>
+    </p:spTree>
+    <p:extLst>
+      <p:ext uri="{BB962C8B-B14F-4D97-AF65-F5344CB8AC3E}">
+        <p14:creationId xmlns:p14="http://schemas.microsoft.com/office/powerpoint/2010/main" val="3938517639"/>
+      </p:ext>
+    </p:extLst>
+  </p:cSld>
+  <p:clrMapOvr>
+    <a:masterClrMapping/>
+  </p:clrMapOvr>
+</p:sld>
+</file>
+
+<file path=ppt/slides/slide11.xml><?xml version="1.0" encoding="utf-8"?>
+<p:sld xmlns:a="http://schemas.openxmlformats.org/drawingml/2006/main" xmlns:r="http://schemas.openxmlformats.org/officeDocument/2006/relationships" xmlns:p="http://schemas.openxmlformats.org/presentationml/2006/main">
+  <p:cSld>
+    <p:spTree>
+      <p:nvGrpSpPr>
+        <p:cNvPr id="1" name=""/>
+        <p:cNvGrpSpPr/>
+        <p:nvPr/>
+      </p:nvGrpSpPr>
+      <p:grpSpPr>
+        <a:xfrm>
+          <a:off x="0" y="0"/>
+          <a:ext cx="0" cy="0"/>
+          <a:chOff x="0" y="0"/>
+          <a:chExt cx="0" cy="0"/>
+        </a:xfrm>
+      </p:grpSpPr>
+      <p:sp>
+        <p:nvSpPr>
+          <p:cNvPr id="4" name="TextBox 3">
+            <a:extLst>
+              <a:ext uri="{FF2B5EF4-FFF2-40B4-BE49-F238E27FC236}">
+                <a16:creationId xmlns:a16="http://schemas.microsoft.com/office/drawing/2014/main" id="{4F47A168-77F1-4A09-B216-E6DD33D57A22}"/>
+              </a:ext>
+            </a:extLst>
+          </p:cNvPr>
+          <p:cNvSpPr txBox="1"/>
+          <p:nvPr/>
+        </p:nvSpPr>
+        <p:spPr>
+          <a:xfrm>
+            <a:off x="252919" y="211688"/>
+            <a:ext cx="5399736" cy="369332"/>
+          </a:xfrm>
+          <a:prstGeom prst="rect">
+            <a:avLst/>
+          </a:prstGeom>
+          <a:noFill/>
+        </p:spPr>
+        <p:txBody>
+          <a:bodyPr wrap="square" rtlCol="0">
+            <a:spAutoFit/>
+          </a:bodyPr>
+          <a:lstStyle/>
+          <a:p>
+            <a:r>
+              <a:rPr lang="en-US" altLang="ko-KR">
+                <a:latin typeface="나눔스퀘어" panose="020B0600000101010101" pitchFamily="50" charset="-127"/>
+                <a:ea typeface="나눔스퀘어" panose="020B0600000101010101" pitchFamily="50" charset="-127"/>
+              </a:rPr>
+              <a:t>Repository</a:t>
+            </a:r>
+            <a:r>
+              <a:rPr lang="ko-KR" altLang="en-US">
+                <a:latin typeface="나눔스퀘어" panose="020B0600000101010101" pitchFamily="50" charset="-127"/>
+                <a:ea typeface="나눔스퀘어" panose="020B0600000101010101" pitchFamily="50" charset="-127"/>
+              </a:rPr>
+              <a:t> 패턴</a:t>
+            </a:r>
+            <a:endParaRPr lang="en-US" altLang="ko-KR" sz="1800">
+              <a:latin typeface="나눔스퀘어" panose="020B0600000101010101" pitchFamily="50" charset="-127"/>
+              <a:ea typeface="나눔스퀘어" panose="020B0600000101010101" pitchFamily="50" charset="-127"/>
+            </a:endParaRPr>
+          </a:p>
+        </p:txBody>
+      </p:sp>
+    </p:spTree>
+    <p:extLst>
+      <p:ext uri="{BB962C8B-B14F-4D97-AF65-F5344CB8AC3E}">
+        <p14:creationId xmlns:p14="http://schemas.microsoft.com/office/powerpoint/2010/main" val="1849132500"/>
+      </p:ext>
+    </p:extLst>
+  </p:cSld>
+  <p:clrMapOvr>
+    <a:masterClrMapping/>
+  </p:clrMapOvr>
+</p:sld>
+</file>
+
 <file path=ppt/slides/slide2.xml><?xml version="1.0" encoding="utf-8"?>
 <p:sld xmlns:a="http://schemas.openxmlformats.org/drawingml/2006/main" xmlns:r="http://schemas.openxmlformats.org/officeDocument/2006/relationships" xmlns:p="http://schemas.openxmlformats.org/presentationml/2006/main">
   <p:cSld>
@@ -4568,6 +4781,93 @@
               <a:t>옵저버 패턴</a:t>
             </a:r>
             <a:endParaRPr lang="en-US" altLang="ko-KR" sz="1800">
+              <a:latin typeface="나눔스퀘어" panose="020B0600000101010101" pitchFamily="50" charset="-127"/>
+              <a:ea typeface="나눔스퀘어" panose="020B0600000101010101" pitchFamily="50" charset="-127"/>
+            </a:endParaRPr>
+          </a:p>
+        </p:txBody>
+      </p:sp>
+      <p:sp>
+        <p:nvSpPr>
+          <p:cNvPr id="3" name="TextBox 2">
+            <a:extLst>
+              <a:ext uri="{FF2B5EF4-FFF2-40B4-BE49-F238E27FC236}">
+                <a16:creationId xmlns:a16="http://schemas.microsoft.com/office/drawing/2014/main" id="{9D30CC5F-C793-4138-9F25-45B39210376E}"/>
+              </a:ext>
+            </a:extLst>
+          </p:cNvPr>
+          <p:cNvSpPr txBox="1"/>
+          <p:nvPr/>
+        </p:nvSpPr>
+        <p:spPr>
+          <a:xfrm>
+            <a:off x="278858" y="792105"/>
+            <a:ext cx="10124981" cy="1477328"/>
+          </a:xfrm>
+          <a:prstGeom prst="rect">
+            <a:avLst/>
+          </a:prstGeom>
+          <a:noFill/>
+        </p:spPr>
+        <p:txBody>
+          <a:bodyPr wrap="square" rtlCol="0">
+            <a:spAutoFit/>
+          </a:bodyPr>
+          <a:lstStyle/>
+          <a:p>
+            <a:r>
+              <a:rPr lang="ko-KR" altLang="en-US">
+                <a:latin typeface="나눔스퀘어" panose="020B0600000101010101" pitchFamily="50" charset="-127"/>
+                <a:ea typeface="나눔스퀘어" panose="020B0600000101010101" pitchFamily="50" charset="-127"/>
+              </a:rPr>
+              <a:t>옵저버 패턴이란</a:t>
+            </a:r>
+            <a:r>
+              <a:rPr lang="en-US" altLang="ko-KR">
+                <a:latin typeface="나눔스퀘어" panose="020B0600000101010101" pitchFamily="50" charset="-127"/>
+                <a:ea typeface="나눔스퀘어" panose="020B0600000101010101" pitchFamily="50" charset="-127"/>
+              </a:rPr>
+              <a:t>?</a:t>
+            </a:r>
+          </a:p>
+          <a:p>
+            <a:r>
+              <a:rPr lang="en-US" altLang="ko-KR">
+                <a:latin typeface="나눔스퀘어" panose="020B0600000101010101" pitchFamily="50" charset="-127"/>
+                <a:ea typeface="나눔스퀘어" panose="020B0600000101010101" pitchFamily="50" charset="-127"/>
+              </a:rPr>
+              <a:t>-&gt;</a:t>
+            </a:r>
+            <a:r>
+              <a:rPr lang="ko-KR" altLang="en-US">
+                <a:latin typeface="나눔스퀘어" panose="020B0600000101010101" pitchFamily="50" charset="-127"/>
+                <a:ea typeface="나눔스퀘어" panose="020B0600000101010101" pitchFamily="50" charset="-127"/>
+              </a:rPr>
+              <a:t> 객체의 상태변화를 관찰하는 옵저버들을 객체에 등록하여 상태 변화가 있을 때마다 메소드 등을 통해 객체가 직접 목록의 각 옵저버에게 통지하도록 하는 패턴이다</a:t>
+            </a:r>
+            <a:r>
+              <a:rPr lang="en-US" altLang="ko-KR">
+                <a:latin typeface="나눔스퀘어" panose="020B0600000101010101" pitchFamily="50" charset="-127"/>
+                <a:ea typeface="나눔스퀘어" panose="020B0600000101010101" pitchFamily="50" charset="-127"/>
+              </a:rPr>
+              <a:t>.</a:t>
+            </a:r>
+          </a:p>
+          <a:p>
+            <a:endParaRPr lang="en-US" altLang="ko-KR">
+              <a:latin typeface="나눔스퀘어" panose="020B0600000101010101" pitchFamily="50" charset="-127"/>
+              <a:ea typeface="나눔스퀘어" panose="020B0600000101010101" pitchFamily="50" charset="-127"/>
+            </a:endParaRPr>
+          </a:p>
+          <a:p>
+            <a:r>
+              <a:rPr lang="ko-KR" altLang="en-US">
+                <a:latin typeface="나눔스퀘어" panose="020B0600000101010101" pitchFamily="50" charset="-127"/>
+                <a:ea typeface="나눔스퀘어" panose="020B0600000101010101" pitchFamily="50" charset="-127"/>
+              </a:rPr>
+              <a:t>객체의 상태변화를 감지하여 연관된 객체들에게 알림을 보내주는 것</a:t>
+            </a:r>
+            <a:endParaRPr lang="en-US" altLang="ko-KR">
               <a:latin typeface="나눔스퀘어" panose="020B0600000101010101" pitchFamily="50" charset="-127"/>
               <a:ea typeface="나눔스퀘어" panose="020B0600000101010101" pitchFamily="50" charset="-127"/>
             </a:endParaRPr>

--- a/디자인 패턴/디자인 패턴.pptx
+++ b/디자인 패턴/디자인 패턴.pptx
@@ -15,7 +15,9 @@
     <p:sldId id="286" r:id="rId9"/>
     <p:sldId id="287" r:id="rId10"/>
     <p:sldId id="288" r:id="rId11"/>
-    <p:sldId id="289" r:id="rId12"/>
+    <p:sldId id="290" r:id="rId12"/>
+    <p:sldId id="291" r:id="rId13"/>
+    <p:sldId id="289" r:id="rId14"/>
   </p:sldIdLst>
   <p:sldSz cx="12192000" cy="6858000"/>
   <p:notesSz cx="6858000" cy="9144000"/>
@@ -269,7 +271,7 @@
           <a:p>
             <a:fld id="{E4C6CBF0-18F0-4717-B4AE-F2BA785719E2}" type="datetimeFigureOut">
               <a:rPr lang="ko-KR" altLang="en-US" smtClean="0"/>
-              <a:t>2021-04-29</a:t>
+              <a:t>2021-04-30</a:t>
             </a:fld>
             <a:endParaRPr lang="ko-KR" altLang="en-US"/>
           </a:p>
@@ -467,7 +469,7 @@
           <a:p>
             <a:fld id="{E4C6CBF0-18F0-4717-B4AE-F2BA785719E2}" type="datetimeFigureOut">
               <a:rPr lang="ko-KR" altLang="en-US" smtClean="0"/>
-              <a:t>2021-04-29</a:t>
+              <a:t>2021-04-30</a:t>
             </a:fld>
             <a:endParaRPr lang="ko-KR" altLang="en-US"/>
           </a:p>
@@ -675,7 +677,7 @@
           <a:p>
             <a:fld id="{E4C6CBF0-18F0-4717-B4AE-F2BA785719E2}" type="datetimeFigureOut">
               <a:rPr lang="ko-KR" altLang="en-US" smtClean="0"/>
-              <a:t>2021-04-29</a:t>
+              <a:t>2021-04-30</a:t>
             </a:fld>
             <a:endParaRPr lang="ko-KR" altLang="en-US"/>
           </a:p>
@@ -873,7 +875,7 @@
           <a:p>
             <a:fld id="{E4C6CBF0-18F0-4717-B4AE-F2BA785719E2}" type="datetimeFigureOut">
               <a:rPr lang="ko-KR" altLang="en-US" smtClean="0"/>
-              <a:t>2021-04-29</a:t>
+              <a:t>2021-04-30</a:t>
             </a:fld>
             <a:endParaRPr lang="ko-KR" altLang="en-US"/>
           </a:p>
@@ -1148,7 +1150,7 @@
           <a:p>
             <a:fld id="{E4C6CBF0-18F0-4717-B4AE-F2BA785719E2}" type="datetimeFigureOut">
               <a:rPr lang="ko-KR" altLang="en-US" smtClean="0"/>
-              <a:t>2021-04-29</a:t>
+              <a:t>2021-04-30</a:t>
             </a:fld>
             <a:endParaRPr lang="ko-KR" altLang="en-US"/>
           </a:p>
@@ -1413,7 +1415,7 @@
           <a:p>
             <a:fld id="{E4C6CBF0-18F0-4717-B4AE-F2BA785719E2}" type="datetimeFigureOut">
               <a:rPr lang="ko-KR" altLang="en-US" smtClean="0"/>
-              <a:t>2021-04-29</a:t>
+              <a:t>2021-04-30</a:t>
             </a:fld>
             <a:endParaRPr lang="ko-KR" altLang="en-US"/>
           </a:p>
@@ -1825,7 +1827,7 @@
           <a:p>
             <a:fld id="{E4C6CBF0-18F0-4717-B4AE-F2BA785719E2}" type="datetimeFigureOut">
               <a:rPr lang="ko-KR" altLang="en-US" smtClean="0"/>
-              <a:t>2021-04-29</a:t>
+              <a:t>2021-04-30</a:t>
             </a:fld>
             <a:endParaRPr lang="ko-KR" altLang="en-US"/>
           </a:p>
@@ -1966,7 +1968,7 @@
           <a:p>
             <a:fld id="{E4C6CBF0-18F0-4717-B4AE-F2BA785719E2}" type="datetimeFigureOut">
               <a:rPr lang="ko-KR" altLang="en-US" smtClean="0"/>
-              <a:t>2021-04-29</a:t>
+              <a:t>2021-04-30</a:t>
             </a:fld>
             <a:endParaRPr lang="ko-KR" altLang="en-US"/>
           </a:p>
@@ -2079,7 +2081,7 @@
           <a:p>
             <a:fld id="{E4C6CBF0-18F0-4717-B4AE-F2BA785719E2}" type="datetimeFigureOut">
               <a:rPr lang="ko-KR" altLang="en-US" smtClean="0"/>
-              <a:t>2021-04-29</a:t>
+              <a:t>2021-04-30</a:t>
             </a:fld>
             <a:endParaRPr lang="ko-KR" altLang="en-US"/>
           </a:p>
@@ -2390,7 +2392,7 @@
           <a:p>
             <a:fld id="{E4C6CBF0-18F0-4717-B4AE-F2BA785719E2}" type="datetimeFigureOut">
               <a:rPr lang="ko-KR" altLang="en-US" smtClean="0"/>
-              <a:t>2021-04-29</a:t>
+              <a:t>2021-04-30</a:t>
             </a:fld>
             <a:endParaRPr lang="ko-KR" altLang="en-US"/>
           </a:p>
@@ -2678,7 +2680,7 @@
           <a:p>
             <a:fld id="{E4C6CBF0-18F0-4717-B4AE-F2BA785719E2}" type="datetimeFigureOut">
               <a:rPr lang="ko-KR" altLang="en-US" smtClean="0"/>
-              <a:t>2021-04-29</a:t>
+              <a:t>2021-04-30</a:t>
             </a:fld>
             <a:endParaRPr lang="ko-KR" altLang="en-US"/>
           </a:p>
@@ -2919,7 +2921,7 @@
           <a:p>
             <a:fld id="{E4C6CBF0-18F0-4717-B4AE-F2BA785719E2}" type="datetimeFigureOut">
               <a:rPr lang="ko-KR" altLang="en-US" smtClean="0"/>
-              <a:t>2021-04-29</a:t>
+              <a:t>2021-04-30</a:t>
             </a:fld>
             <a:endParaRPr lang="ko-KR" altLang="en-US"/>
           </a:p>
@@ -3390,7 +3392,7 @@
         <p:spPr>
           <a:xfrm>
             <a:off x="318051" y="2272402"/>
-            <a:ext cx="11499575" cy="2246769"/>
+            <a:ext cx="11499575" cy="2400657"/>
           </a:xfrm>
           <a:prstGeom prst="rect">
             <a:avLst/>
@@ -3468,6 +3470,28 @@
                 <a:latin typeface="나눔스퀘어" panose="020B0600000101010101" pitchFamily="50" charset="-127"/>
                 <a:ea typeface="나눔스퀘어" panose="020B0600000101010101" pitchFamily="50" charset="-127"/>
               </a:rPr>
+              <a:t>Singleton </a:t>
+            </a:r>
+            <a:r>
+              <a:rPr lang="ko-KR" altLang="en-US" sz="2000">
+                <a:latin typeface="나눔스퀘어" panose="020B0600000101010101" pitchFamily="50" charset="-127"/>
+                <a:ea typeface="나눔스퀘어" panose="020B0600000101010101" pitchFamily="50" charset="-127"/>
+              </a:rPr>
+              <a:t>패턴</a:t>
+            </a:r>
+          </a:p>
+          <a:p>
+            <a:endParaRPr lang="en-US" altLang="ko-KR" sz="1000">
+              <a:latin typeface="나눔스퀘어" panose="020B0600000101010101" pitchFamily="50" charset="-127"/>
+              <a:ea typeface="나눔스퀘어" panose="020B0600000101010101" pitchFamily="50" charset="-127"/>
+            </a:endParaRPr>
+          </a:p>
+          <a:p>
+            <a:r>
+              <a:rPr lang="en-US" altLang="ko-KR" sz="2000">
+                <a:latin typeface="나눔스퀘어" panose="020B0600000101010101" pitchFamily="50" charset="-127"/>
+                <a:ea typeface="나눔스퀘어" panose="020B0600000101010101" pitchFamily="50" charset="-127"/>
+              </a:rPr>
               <a:t>Repository</a:t>
             </a:r>
             <a:r>
@@ -3487,22 +3511,6 @@
               <a:latin typeface="나눔스퀘어" panose="020B0600000101010101" pitchFamily="50" charset="-127"/>
               <a:ea typeface="나눔스퀘어" panose="020B0600000101010101" pitchFamily="50" charset="-127"/>
             </a:endParaRPr>
-          </a:p>
-          <a:p>
-            <a:r>
-              <a:rPr lang="en-US" altLang="ko-KR" sz="2000">
-                <a:latin typeface="나눔스퀘어" panose="020B0600000101010101" pitchFamily="50" charset="-127"/>
-                <a:ea typeface="나눔스퀘어" panose="020B0600000101010101" pitchFamily="50" charset="-127"/>
-              </a:rPr>
-              <a:t>Singleton </a:t>
-            </a:r>
-            <a:r>
-              <a:rPr lang="ko-KR" altLang="en-US" sz="2000">
-                <a:latin typeface="나눔스퀘어" panose="020B0600000101010101" pitchFamily="50" charset="-127"/>
-                <a:ea typeface="나눔스퀘어" panose="020B0600000101010101" pitchFamily="50" charset="-127"/>
-              </a:rPr>
-              <a:t>패턴</a:t>
-            </a:r>
           </a:p>
         </p:txBody>
       </p:sp>
@@ -3740,7 +3748,7 @@
                 <a:latin typeface="나눔스퀘어" panose="020B0600000101010101" pitchFamily="50" charset="-127"/>
                 <a:ea typeface="나눔스퀘어" panose="020B0600000101010101" pitchFamily="50" charset="-127"/>
               </a:rPr>
-              <a:t>Repository</a:t>
+              <a:t>Singleton</a:t>
             </a:r>
             <a:r>
               <a:rPr lang="ko-KR" altLang="en-US">
@@ -3752,6 +3760,262 @@
             <a:endParaRPr lang="en-US" altLang="ko-KR" sz="1800">
               <a:latin typeface="나눔스퀘어" panose="020B0600000101010101" pitchFamily="50" charset="-127"/>
               <a:ea typeface="나눔스퀘어" panose="020B0600000101010101" pitchFamily="50" charset="-127"/>
+            </a:endParaRPr>
+          </a:p>
+        </p:txBody>
+      </p:sp>
+    </p:spTree>
+    <p:extLst>
+      <p:ext uri="{BB962C8B-B14F-4D97-AF65-F5344CB8AC3E}">
+        <p14:creationId xmlns:p14="http://schemas.microsoft.com/office/powerpoint/2010/main" val="3743358552"/>
+      </p:ext>
+    </p:extLst>
+  </p:cSld>
+  <p:clrMapOvr>
+    <a:masterClrMapping/>
+  </p:clrMapOvr>
+</p:sld>
+</file>
+
+<file path=ppt/slides/slide12.xml><?xml version="1.0" encoding="utf-8"?>
+<p:sld xmlns:a="http://schemas.openxmlformats.org/drawingml/2006/main" xmlns:r="http://schemas.openxmlformats.org/officeDocument/2006/relationships" xmlns:p="http://schemas.openxmlformats.org/presentationml/2006/main">
+  <p:cSld>
+    <p:spTree>
+      <p:nvGrpSpPr>
+        <p:cNvPr id="1" name=""/>
+        <p:cNvGrpSpPr/>
+        <p:nvPr/>
+      </p:nvGrpSpPr>
+      <p:grpSpPr>
+        <a:xfrm>
+          <a:off x="0" y="0"/>
+          <a:ext cx="0" cy="0"/>
+          <a:chOff x="0" y="0"/>
+          <a:chExt cx="0" cy="0"/>
+        </a:xfrm>
+      </p:grpSpPr>
+      <p:sp>
+        <p:nvSpPr>
+          <p:cNvPr id="4" name="TextBox 3">
+            <a:extLst>
+              <a:ext uri="{FF2B5EF4-FFF2-40B4-BE49-F238E27FC236}">
+                <a16:creationId xmlns:a16="http://schemas.microsoft.com/office/drawing/2014/main" id="{4F47A168-77F1-4A09-B216-E6DD33D57A22}"/>
+              </a:ext>
+            </a:extLst>
+          </p:cNvPr>
+          <p:cNvSpPr txBox="1"/>
+          <p:nvPr/>
+        </p:nvSpPr>
+        <p:spPr>
+          <a:xfrm>
+            <a:off x="252919" y="211688"/>
+            <a:ext cx="5399736" cy="369332"/>
+          </a:xfrm>
+          <a:prstGeom prst="rect">
+            <a:avLst/>
+          </a:prstGeom>
+          <a:noFill/>
+        </p:spPr>
+        <p:txBody>
+          <a:bodyPr wrap="square" rtlCol="0">
+            <a:spAutoFit/>
+          </a:bodyPr>
+          <a:lstStyle/>
+          <a:p>
+            <a:r>
+              <a:rPr lang="en-US" altLang="ko-KR">
+                <a:latin typeface="나눔스퀘어" panose="020B0600000101010101" pitchFamily="50" charset="-127"/>
+                <a:ea typeface="나눔스퀘어" panose="020B0600000101010101" pitchFamily="50" charset="-127"/>
+              </a:rPr>
+              <a:t>Singleton</a:t>
+            </a:r>
+            <a:r>
+              <a:rPr lang="ko-KR" altLang="en-US">
+                <a:latin typeface="나눔스퀘어" panose="020B0600000101010101" pitchFamily="50" charset="-127"/>
+                <a:ea typeface="나눔스퀘어" panose="020B0600000101010101" pitchFamily="50" charset="-127"/>
+              </a:rPr>
+              <a:t> 패턴</a:t>
+            </a:r>
+            <a:endParaRPr lang="en-US" altLang="ko-KR" sz="1800">
+              <a:latin typeface="나눔스퀘어" panose="020B0600000101010101" pitchFamily="50" charset="-127"/>
+              <a:ea typeface="나눔스퀘어" panose="020B0600000101010101" pitchFamily="50" charset="-127"/>
+            </a:endParaRPr>
+          </a:p>
+        </p:txBody>
+      </p:sp>
+    </p:spTree>
+    <p:extLst>
+      <p:ext uri="{BB962C8B-B14F-4D97-AF65-F5344CB8AC3E}">
+        <p14:creationId xmlns:p14="http://schemas.microsoft.com/office/powerpoint/2010/main" val="2902927310"/>
+      </p:ext>
+    </p:extLst>
+  </p:cSld>
+  <p:clrMapOvr>
+    <a:masterClrMapping/>
+  </p:clrMapOvr>
+</p:sld>
+</file>
+
+<file path=ppt/slides/slide13.xml><?xml version="1.0" encoding="utf-8"?>
+<p:sld xmlns:a="http://schemas.openxmlformats.org/drawingml/2006/main" xmlns:r="http://schemas.openxmlformats.org/officeDocument/2006/relationships" xmlns:p="http://schemas.openxmlformats.org/presentationml/2006/main">
+  <p:cSld>
+    <p:spTree>
+      <p:nvGrpSpPr>
+        <p:cNvPr id="1" name=""/>
+        <p:cNvGrpSpPr/>
+        <p:nvPr/>
+      </p:nvGrpSpPr>
+      <p:grpSpPr>
+        <a:xfrm>
+          <a:off x="0" y="0"/>
+          <a:ext cx="0" cy="0"/>
+          <a:chOff x="0" y="0"/>
+          <a:chExt cx="0" cy="0"/>
+        </a:xfrm>
+      </p:grpSpPr>
+      <p:sp>
+        <p:nvSpPr>
+          <p:cNvPr id="4" name="TextBox 3">
+            <a:extLst>
+              <a:ext uri="{FF2B5EF4-FFF2-40B4-BE49-F238E27FC236}">
+                <a16:creationId xmlns:a16="http://schemas.microsoft.com/office/drawing/2014/main" id="{4F47A168-77F1-4A09-B216-E6DD33D57A22}"/>
+              </a:ext>
+            </a:extLst>
+          </p:cNvPr>
+          <p:cNvSpPr txBox="1"/>
+          <p:nvPr/>
+        </p:nvSpPr>
+        <p:spPr>
+          <a:xfrm>
+            <a:off x="252919" y="211688"/>
+            <a:ext cx="5399736" cy="369332"/>
+          </a:xfrm>
+          <a:prstGeom prst="rect">
+            <a:avLst/>
+          </a:prstGeom>
+          <a:noFill/>
+        </p:spPr>
+        <p:txBody>
+          <a:bodyPr wrap="square" rtlCol="0">
+            <a:spAutoFit/>
+          </a:bodyPr>
+          <a:lstStyle/>
+          <a:p>
+            <a:r>
+              <a:rPr lang="en-US" altLang="ko-KR">
+                <a:latin typeface="나눔스퀘어" panose="020B0600000101010101" pitchFamily="50" charset="-127"/>
+                <a:ea typeface="나눔스퀘어" panose="020B0600000101010101" pitchFamily="50" charset="-127"/>
+              </a:rPr>
+              <a:t>Repository</a:t>
+            </a:r>
+            <a:r>
+              <a:rPr lang="ko-KR" altLang="en-US">
+                <a:latin typeface="나눔스퀘어" panose="020B0600000101010101" pitchFamily="50" charset="-127"/>
+                <a:ea typeface="나눔스퀘어" panose="020B0600000101010101" pitchFamily="50" charset="-127"/>
+              </a:rPr>
+              <a:t> 패턴</a:t>
+            </a:r>
+            <a:endParaRPr lang="en-US" altLang="ko-KR" sz="1800">
+              <a:latin typeface="나눔스퀘어" panose="020B0600000101010101" pitchFamily="50" charset="-127"/>
+              <a:ea typeface="나눔스퀘어" panose="020B0600000101010101" pitchFamily="50" charset="-127"/>
+            </a:endParaRPr>
+          </a:p>
+        </p:txBody>
+      </p:sp>
+      <p:sp>
+        <p:nvSpPr>
+          <p:cNvPr id="3" name="TextBox 2">
+            <a:extLst>
+              <a:ext uri="{FF2B5EF4-FFF2-40B4-BE49-F238E27FC236}">
+                <a16:creationId xmlns:a16="http://schemas.microsoft.com/office/drawing/2014/main" id="{65F52003-7CF4-400B-8FBE-3BBDF84C7AB8}"/>
+              </a:ext>
+            </a:extLst>
+          </p:cNvPr>
+          <p:cNvSpPr txBox="1"/>
+          <p:nvPr/>
+        </p:nvSpPr>
+        <p:spPr>
+          <a:xfrm>
+            <a:off x="278858" y="792105"/>
+            <a:ext cx="11319093" cy="923330"/>
+          </a:xfrm>
+          <a:prstGeom prst="rect">
+            <a:avLst/>
+          </a:prstGeom>
+          <a:noFill/>
+        </p:spPr>
+        <p:txBody>
+          <a:bodyPr wrap="square" rtlCol="0">
+            <a:spAutoFit/>
+          </a:bodyPr>
+          <a:lstStyle/>
+          <a:p>
+            <a:r>
+              <a:rPr lang="en-US" altLang="ko-KR">
+                <a:latin typeface="나눔스퀘어" panose="020B0600000101010101" pitchFamily="50" charset="-127"/>
+                <a:ea typeface="나눔스퀘어" panose="020B0600000101010101" pitchFamily="50" charset="-127"/>
+              </a:rPr>
+              <a:t>Repository </a:t>
+            </a:r>
+            <a:r>
+              <a:rPr lang="ko-KR" altLang="en-US">
+                <a:latin typeface="나눔스퀘어" panose="020B0600000101010101" pitchFamily="50" charset="-127"/>
+                <a:ea typeface="나눔스퀘어" panose="020B0600000101010101" pitchFamily="50" charset="-127"/>
+              </a:rPr>
+              <a:t>패턴이란</a:t>
+            </a:r>
+            <a:r>
+              <a:rPr lang="en-US" altLang="ko-KR">
+                <a:latin typeface="나눔스퀘어" panose="020B0600000101010101" pitchFamily="50" charset="-127"/>
+                <a:ea typeface="나눔스퀘어" panose="020B0600000101010101" pitchFamily="50" charset="-127"/>
+              </a:rPr>
+              <a:t>?</a:t>
+            </a:r>
+          </a:p>
+          <a:p>
+            <a:r>
+              <a:rPr lang="en-US" altLang="ko-KR">
+                <a:latin typeface="나눔스퀘어" panose="020B0600000101010101" pitchFamily="50" charset="-127"/>
+                <a:ea typeface="나눔스퀘어" panose="020B0600000101010101" pitchFamily="50" charset="-127"/>
+              </a:rPr>
+              <a:t>-&gt; </a:t>
+            </a:r>
+            <a:r>
+              <a:rPr lang="ko-KR" altLang="en-US" b="0" i="0">
+                <a:solidFill>
+                  <a:srgbClr val="000000"/>
+                </a:solidFill>
+                <a:effectLst/>
+                <a:latin typeface="나눔스퀘어" panose="020B0600000101010101" pitchFamily="34" charset="-127"/>
+                <a:ea typeface="나눔스퀘어" panose="020B0600000101010101" pitchFamily="34" charset="-127"/>
+              </a:rPr>
+              <a:t>데이터가 있는 여러 저장소를 추상화하여 중앙 집중처리 방식을 구성하고</a:t>
+            </a:r>
+            <a:r>
+              <a:rPr lang="en-US" altLang="ko-KR" b="0" i="0">
+                <a:solidFill>
+                  <a:srgbClr val="000000"/>
+                </a:solidFill>
+                <a:effectLst/>
+                <a:latin typeface="나눔스퀘어" panose="020B0600000101010101" pitchFamily="34" charset="-127"/>
+                <a:ea typeface="나눔스퀘어" panose="020B0600000101010101" pitchFamily="34" charset="-127"/>
+              </a:rPr>
+              <a:t>, </a:t>
+            </a:r>
+            <a:r>
+              <a:rPr lang="ko-KR" altLang="en-US" b="0" i="0">
+                <a:solidFill>
+                  <a:srgbClr val="000000"/>
+                </a:solidFill>
+                <a:effectLst/>
+                <a:latin typeface="나눔스퀘어" panose="020B0600000101010101" pitchFamily="34" charset="-127"/>
+                <a:ea typeface="나눔스퀘어" panose="020B0600000101010101" pitchFamily="34" charset="-127"/>
+              </a:rPr>
+              <a:t>데이터를 사용하는 로직을 분리시키기 위한 디자인 패턴</a:t>
+            </a:r>
+            <a:endParaRPr lang="en-US" altLang="ko-KR">
+              <a:latin typeface="나눔스퀘어" panose="020B0600000101010101" pitchFamily="34" charset="-127"/>
+              <a:ea typeface="나눔스퀘어" panose="020B0600000101010101" pitchFamily="34" charset="-127"/>
             </a:endParaRPr>
           </a:p>
         </p:txBody>

--- a/디자인 패턴/디자인 패턴.pptx
+++ b/디자인 패턴/디자인 패턴.pptx
@@ -17,7 +17,9 @@
     <p:sldId id="288" r:id="rId11"/>
     <p:sldId id="290" r:id="rId12"/>
     <p:sldId id="291" r:id="rId13"/>
-    <p:sldId id="289" r:id="rId14"/>
+    <p:sldId id="292" r:id="rId14"/>
+    <p:sldId id="289" r:id="rId15"/>
+    <p:sldId id="293" r:id="rId16"/>
   </p:sldIdLst>
   <p:sldSz cx="12192000" cy="6858000"/>
   <p:notesSz cx="6858000" cy="9144000"/>
@@ -271,7 +273,7 @@
           <a:p>
             <a:fld id="{E4C6CBF0-18F0-4717-B4AE-F2BA785719E2}" type="datetimeFigureOut">
               <a:rPr lang="ko-KR" altLang="en-US" smtClean="0"/>
-              <a:t>2021-04-30</a:t>
+              <a:t>2021-05-03</a:t>
             </a:fld>
             <a:endParaRPr lang="ko-KR" altLang="en-US"/>
           </a:p>
@@ -469,7 +471,7 @@
           <a:p>
             <a:fld id="{E4C6CBF0-18F0-4717-B4AE-F2BA785719E2}" type="datetimeFigureOut">
               <a:rPr lang="ko-KR" altLang="en-US" smtClean="0"/>
-              <a:t>2021-04-30</a:t>
+              <a:t>2021-05-03</a:t>
             </a:fld>
             <a:endParaRPr lang="ko-KR" altLang="en-US"/>
           </a:p>
@@ -677,7 +679,7 @@
           <a:p>
             <a:fld id="{E4C6CBF0-18F0-4717-B4AE-F2BA785719E2}" type="datetimeFigureOut">
               <a:rPr lang="ko-KR" altLang="en-US" smtClean="0"/>
-              <a:t>2021-04-30</a:t>
+              <a:t>2021-05-03</a:t>
             </a:fld>
             <a:endParaRPr lang="ko-KR" altLang="en-US"/>
           </a:p>
@@ -875,7 +877,7 @@
           <a:p>
             <a:fld id="{E4C6CBF0-18F0-4717-B4AE-F2BA785719E2}" type="datetimeFigureOut">
               <a:rPr lang="ko-KR" altLang="en-US" smtClean="0"/>
-              <a:t>2021-04-30</a:t>
+              <a:t>2021-05-03</a:t>
             </a:fld>
             <a:endParaRPr lang="ko-KR" altLang="en-US"/>
           </a:p>
@@ -1150,7 +1152,7 @@
           <a:p>
             <a:fld id="{E4C6CBF0-18F0-4717-B4AE-F2BA785719E2}" type="datetimeFigureOut">
               <a:rPr lang="ko-KR" altLang="en-US" smtClean="0"/>
-              <a:t>2021-04-30</a:t>
+              <a:t>2021-05-03</a:t>
             </a:fld>
             <a:endParaRPr lang="ko-KR" altLang="en-US"/>
           </a:p>
@@ -1415,7 +1417,7 @@
           <a:p>
             <a:fld id="{E4C6CBF0-18F0-4717-B4AE-F2BA785719E2}" type="datetimeFigureOut">
               <a:rPr lang="ko-KR" altLang="en-US" smtClean="0"/>
-              <a:t>2021-04-30</a:t>
+              <a:t>2021-05-03</a:t>
             </a:fld>
             <a:endParaRPr lang="ko-KR" altLang="en-US"/>
           </a:p>
@@ -1827,7 +1829,7 @@
           <a:p>
             <a:fld id="{E4C6CBF0-18F0-4717-B4AE-F2BA785719E2}" type="datetimeFigureOut">
               <a:rPr lang="ko-KR" altLang="en-US" smtClean="0"/>
-              <a:t>2021-04-30</a:t>
+              <a:t>2021-05-03</a:t>
             </a:fld>
             <a:endParaRPr lang="ko-KR" altLang="en-US"/>
           </a:p>
@@ -1968,7 +1970,7 @@
           <a:p>
             <a:fld id="{E4C6CBF0-18F0-4717-B4AE-F2BA785719E2}" type="datetimeFigureOut">
               <a:rPr lang="ko-KR" altLang="en-US" smtClean="0"/>
-              <a:t>2021-04-30</a:t>
+              <a:t>2021-05-03</a:t>
             </a:fld>
             <a:endParaRPr lang="ko-KR" altLang="en-US"/>
           </a:p>
@@ -2081,7 +2083,7 @@
           <a:p>
             <a:fld id="{E4C6CBF0-18F0-4717-B4AE-F2BA785719E2}" type="datetimeFigureOut">
               <a:rPr lang="ko-KR" altLang="en-US" smtClean="0"/>
-              <a:t>2021-04-30</a:t>
+              <a:t>2021-05-03</a:t>
             </a:fld>
             <a:endParaRPr lang="ko-KR" altLang="en-US"/>
           </a:p>
@@ -2392,7 +2394,7 @@
           <a:p>
             <a:fld id="{E4C6CBF0-18F0-4717-B4AE-F2BA785719E2}" type="datetimeFigureOut">
               <a:rPr lang="ko-KR" altLang="en-US" smtClean="0"/>
-              <a:t>2021-04-30</a:t>
+              <a:t>2021-05-03</a:t>
             </a:fld>
             <a:endParaRPr lang="ko-KR" altLang="en-US"/>
           </a:p>
@@ -2680,7 +2682,7 @@
           <a:p>
             <a:fld id="{E4C6CBF0-18F0-4717-B4AE-F2BA785719E2}" type="datetimeFigureOut">
               <a:rPr lang="ko-KR" altLang="en-US" smtClean="0"/>
-              <a:t>2021-04-30</a:t>
+              <a:t>2021-05-03</a:t>
             </a:fld>
             <a:endParaRPr lang="ko-KR" altLang="en-US"/>
           </a:p>
@@ -2921,7 +2923,7 @@
           <a:p>
             <a:fld id="{E4C6CBF0-18F0-4717-B4AE-F2BA785719E2}" type="datetimeFigureOut">
               <a:rPr lang="ko-KR" altLang="en-US" smtClean="0"/>
-              <a:t>2021-04-30</a:t>
+              <a:t>2021-05-03</a:t>
             </a:fld>
             <a:endParaRPr lang="ko-KR" altLang="en-US"/>
           </a:p>
@@ -3764,6 +3766,237 @@
           </a:p>
         </p:txBody>
       </p:sp>
+      <p:sp>
+        <p:nvSpPr>
+          <p:cNvPr id="3" name="TextBox 2">
+            <a:extLst>
+              <a:ext uri="{FF2B5EF4-FFF2-40B4-BE49-F238E27FC236}">
+                <a16:creationId xmlns:a16="http://schemas.microsoft.com/office/drawing/2014/main" id="{FF5B7E7A-29F0-445B-A275-325D2A8C5B40}"/>
+              </a:ext>
+            </a:extLst>
+          </p:cNvPr>
+          <p:cNvSpPr txBox="1"/>
+          <p:nvPr/>
+        </p:nvSpPr>
+        <p:spPr>
+          <a:xfrm>
+            <a:off x="278858" y="792105"/>
+            <a:ext cx="11319093" cy="646331"/>
+          </a:xfrm>
+          <a:prstGeom prst="rect">
+            <a:avLst/>
+          </a:prstGeom>
+          <a:noFill/>
+        </p:spPr>
+        <p:txBody>
+          <a:bodyPr wrap="square" rtlCol="0">
+            <a:spAutoFit/>
+          </a:bodyPr>
+          <a:lstStyle/>
+          <a:p>
+            <a:r>
+              <a:rPr lang="en-US" altLang="ko-KR">
+                <a:latin typeface="나눔스퀘어" panose="020B0600000101010101" pitchFamily="50" charset="-127"/>
+                <a:ea typeface="나눔스퀘어" panose="020B0600000101010101" pitchFamily="50" charset="-127"/>
+              </a:rPr>
+              <a:t>Singleton </a:t>
+            </a:r>
+            <a:r>
+              <a:rPr lang="ko-KR" altLang="en-US">
+                <a:latin typeface="나눔스퀘어" panose="020B0600000101010101" pitchFamily="50" charset="-127"/>
+                <a:ea typeface="나눔스퀘어" panose="020B0600000101010101" pitchFamily="50" charset="-127"/>
+              </a:rPr>
+              <a:t>패턴이란</a:t>
+            </a:r>
+            <a:r>
+              <a:rPr lang="en-US" altLang="ko-KR">
+                <a:latin typeface="나눔스퀘어" panose="020B0600000101010101" pitchFamily="50" charset="-127"/>
+                <a:ea typeface="나눔스퀘어" panose="020B0600000101010101" pitchFamily="50" charset="-127"/>
+              </a:rPr>
+              <a:t>?</a:t>
+            </a:r>
+          </a:p>
+          <a:p>
+            <a:r>
+              <a:rPr lang="en-US" altLang="ko-KR">
+                <a:latin typeface="나눔스퀘어" panose="020B0600000101010101" pitchFamily="50" charset="-127"/>
+                <a:ea typeface="나눔스퀘어" panose="020B0600000101010101" pitchFamily="50" charset="-127"/>
+              </a:rPr>
+              <a:t>-&gt; </a:t>
+            </a:r>
+            <a:r>
+              <a:rPr lang="ko-KR" altLang="en-US" b="0" i="0">
+                <a:solidFill>
+                  <a:srgbClr val="000000"/>
+                </a:solidFill>
+                <a:effectLst/>
+                <a:latin typeface="나눔스퀘어" panose="020B0600000101010101" pitchFamily="34" charset="-127"/>
+                <a:ea typeface="나눔스퀘어" panose="020B0600000101010101" pitchFamily="34" charset="-127"/>
+              </a:rPr>
+              <a:t>인스턴스가 오직 </a:t>
+            </a:r>
+            <a:r>
+              <a:rPr lang="en-US" altLang="ko-KR" b="0" i="0">
+                <a:solidFill>
+                  <a:srgbClr val="000000"/>
+                </a:solidFill>
+                <a:effectLst/>
+                <a:latin typeface="나눔스퀘어" panose="020B0600000101010101" pitchFamily="34" charset="-127"/>
+                <a:ea typeface="나눔스퀘어" panose="020B0600000101010101" pitchFamily="34" charset="-127"/>
+              </a:rPr>
+              <a:t>1</a:t>
+            </a:r>
+            <a:r>
+              <a:rPr lang="ko-KR" altLang="en-US" b="0" i="0">
+                <a:solidFill>
+                  <a:srgbClr val="000000"/>
+                </a:solidFill>
+                <a:effectLst/>
+                <a:latin typeface="나눔스퀘어" panose="020B0600000101010101" pitchFamily="34" charset="-127"/>
+                <a:ea typeface="나눔스퀘어" panose="020B0600000101010101" pitchFamily="34" charset="-127"/>
+              </a:rPr>
+              <a:t>개만 생성되게하여 생성된 객체를 어디에서든지 참조할 수 있게 하는 패턴</a:t>
+            </a:r>
+            <a:endParaRPr lang="en-US" altLang="ko-KR">
+              <a:latin typeface="나눔스퀘어" panose="020B0600000101010101" pitchFamily="34" charset="-127"/>
+              <a:ea typeface="나눔스퀘어" panose="020B0600000101010101" pitchFamily="34" charset="-127"/>
+            </a:endParaRPr>
+          </a:p>
+        </p:txBody>
+      </p:sp>
+      <p:sp>
+        <p:nvSpPr>
+          <p:cNvPr id="5" name="TextBox 4">
+            <a:extLst>
+              <a:ext uri="{FF2B5EF4-FFF2-40B4-BE49-F238E27FC236}">
+                <a16:creationId xmlns:a16="http://schemas.microsoft.com/office/drawing/2014/main" id="{CE4C109A-718B-40E9-BB68-B44134B6FDA3}"/>
+              </a:ext>
+            </a:extLst>
+          </p:cNvPr>
+          <p:cNvSpPr txBox="1"/>
+          <p:nvPr/>
+        </p:nvSpPr>
+        <p:spPr>
+          <a:xfrm>
+            <a:off x="337952" y="1942881"/>
+            <a:ext cx="11319093" cy="2031325"/>
+          </a:xfrm>
+          <a:prstGeom prst="rect">
+            <a:avLst/>
+          </a:prstGeom>
+          <a:noFill/>
+        </p:spPr>
+        <p:txBody>
+          <a:bodyPr wrap="square" rtlCol="0">
+            <a:spAutoFit/>
+          </a:bodyPr>
+          <a:lstStyle/>
+          <a:p>
+            <a:r>
+              <a:rPr lang="ko-KR" altLang="en-US">
+                <a:latin typeface="나눔스퀘어" panose="020B0600000101010101" pitchFamily="50" charset="-127"/>
+                <a:ea typeface="나눔스퀘어" panose="020B0600000101010101" pitchFamily="50" charset="-127"/>
+              </a:rPr>
+              <a:t>장점</a:t>
+            </a:r>
+            <a:endParaRPr lang="en-US" altLang="ko-KR">
+              <a:latin typeface="나눔스퀘어" panose="020B0600000101010101" pitchFamily="50" charset="-127"/>
+              <a:ea typeface="나눔스퀘어" panose="020B0600000101010101" pitchFamily="50" charset="-127"/>
+            </a:endParaRPr>
+          </a:p>
+          <a:p>
+            <a:pPr marL="285750" indent="-285750">
+              <a:buFontTx/>
+              <a:buChar char="-"/>
+            </a:pPr>
+            <a:r>
+              <a:rPr lang="ko-KR" altLang="en-US">
+                <a:latin typeface="나눔스퀘어" panose="020B0600000101010101" pitchFamily="50" charset="-127"/>
+                <a:ea typeface="나눔스퀘어" panose="020B0600000101010101" pitchFamily="50" charset="-127"/>
+              </a:rPr>
+              <a:t>메모리를 낭비하지 않고 인스턴스를 사용할 수 있음</a:t>
+            </a:r>
+            <a:endParaRPr lang="en-US" altLang="ko-KR">
+              <a:latin typeface="나눔스퀘어" panose="020B0600000101010101" pitchFamily="50" charset="-127"/>
+              <a:ea typeface="나눔스퀘어" panose="020B0600000101010101" pitchFamily="50" charset="-127"/>
+            </a:endParaRPr>
+          </a:p>
+          <a:p>
+            <a:pPr marL="285750" indent="-285750">
+              <a:buFontTx/>
+              <a:buChar char="-"/>
+            </a:pPr>
+            <a:r>
+              <a:rPr lang="ko-KR" altLang="en-US">
+                <a:latin typeface="나눔스퀘어" panose="020B0600000101010101" pitchFamily="50" charset="-127"/>
+                <a:ea typeface="나눔스퀘어" panose="020B0600000101010101" pitchFamily="50" charset="-127"/>
+              </a:rPr>
+              <a:t>전역 인스턴스를 사용해 데이터 공유 편리</a:t>
+            </a:r>
+            <a:endParaRPr lang="en-US" altLang="ko-KR">
+              <a:latin typeface="나눔스퀘어" panose="020B0600000101010101" pitchFamily="50" charset="-127"/>
+              <a:ea typeface="나눔스퀘어" panose="020B0600000101010101" pitchFamily="50" charset="-127"/>
+            </a:endParaRPr>
+          </a:p>
+          <a:p>
+            <a:pPr marL="285750" indent="-285750">
+              <a:buFontTx/>
+              <a:buChar char="-"/>
+            </a:pPr>
+            <a:endParaRPr lang="en-US" altLang="ko-KR">
+              <a:latin typeface="나눔스퀘어" panose="020B0600000101010101" pitchFamily="50" charset="-127"/>
+              <a:ea typeface="나눔스퀘어" panose="020B0600000101010101" pitchFamily="50" charset="-127"/>
+            </a:endParaRPr>
+          </a:p>
+          <a:p>
+            <a:r>
+              <a:rPr lang="ko-KR" altLang="en-US">
+                <a:latin typeface="나눔스퀘어" panose="020B0600000101010101" pitchFamily="50" charset="-127"/>
+                <a:ea typeface="나눔스퀘어" panose="020B0600000101010101" pitchFamily="50" charset="-127"/>
+              </a:rPr>
+              <a:t>단점</a:t>
+            </a:r>
+            <a:endParaRPr lang="en-US" altLang="ko-KR">
+              <a:latin typeface="나눔스퀘어" panose="020B0600000101010101" pitchFamily="50" charset="-127"/>
+              <a:ea typeface="나눔스퀘어" panose="020B0600000101010101" pitchFamily="50" charset="-127"/>
+            </a:endParaRPr>
+          </a:p>
+          <a:p>
+            <a:pPr marL="285750" indent="-285750">
+              <a:buFontTx/>
+              <a:buChar char="-"/>
+            </a:pPr>
+            <a:r>
+              <a:rPr lang="ko-KR" altLang="en-US">
+                <a:latin typeface="나눔스퀘어" panose="020B0600000101010101" pitchFamily="50" charset="-127"/>
+                <a:ea typeface="나눔스퀘어" panose="020B0600000101010101" pitchFamily="50" charset="-127"/>
+              </a:rPr>
+              <a:t>많은 일을 혹은 많은 데이터를 공유하면 결합도 높아짐</a:t>
+            </a:r>
+            <a:endParaRPr lang="en-US" altLang="ko-KR">
+              <a:latin typeface="나눔스퀘어" panose="020B0600000101010101" pitchFamily="50" charset="-127"/>
+              <a:ea typeface="나눔스퀘어" panose="020B0600000101010101" pitchFamily="50" charset="-127"/>
+            </a:endParaRPr>
+          </a:p>
+          <a:p>
+            <a:pPr marL="285750" indent="-285750">
+              <a:buFontTx/>
+              <a:buChar char="-"/>
+            </a:pPr>
+            <a:r>
+              <a:rPr lang="ko-KR" altLang="en-US">
+                <a:latin typeface="나눔스퀘어" panose="020B0600000101010101" pitchFamily="50" charset="-127"/>
+                <a:ea typeface="나눔스퀘어" panose="020B0600000101010101" pitchFamily="50" charset="-127"/>
+              </a:rPr>
+              <a:t>멀티쓰레드 환경에서 동기화처리 해야함</a:t>
+            </a:r>
+            <a:endParaRPr lang="en-US" altLang="ko-KR">
+              <a:latin typeface="나눔스퀘어" panose="020B0600000101010101" pitchFamily="50" charset="-127"/>
+              <a:ea typeface="나눔스퀘어" panose="020B0600000101010101" pitchFamily="50" charset="-127"/>
+            </a:endParaRPr>
+          </a:p>
+        </p:txBody>
+      </p:sp>
     </p:spTree>
     <p:extLst>
       <p:ext uri="{BB962C8B-B14F-4D97-AF65-F5344CB8AC3E}">
@@ -3843,6 +4076,66 @@
           </a:p>
         </p:txBody>
       </p:sp>
+      <p:pic>
+        <p:nvPicPr>
+          <p:cNvPr id="3" name="그림 2">
+            <a:extLst>
+              <a:ext uri="{FF2B5EF4-FFF2-40B4-BE49-F238E27FC236}">
+                <a16:creationId xmlns:a16="http://schemas.microsoft.com/office/drawing/2014/main" id="{315B5FC1-D942-4D4A-8B10-AF719261CC39}"/>
+              </a:ext>
+            </a:extLst>
+          </p:cNvPr>
+          <p:cNvPicPr>
+            <a:picLocks noChangeAspect="1"/>
+          </p:cNvPicPr>
+          <p:nvPr/>
+        </p:nvPicPr>
+        <p:blipFill>
+          <a:blip r:embed="rId2"/>
+          <a:stretch>
+            <a:fillRect/>
+          </a:stretch>
+        </p:blipFill>
+        <p:spPr>
+          <a:xfrm>
+            <a:off x="295697" y="972145"/>
+            <a:ext cx="5238750" cy="2828925"/>
+          </a:xfrm>
+          <a:prstGeom prst="rect">
+            <a:avLst/>
+          </a:prstGeom>
+        </p:spPr>
+      </p:pic>
+      <p:pic>
+        <p:nvPicPr>
+          <p:cNvPr id="6" name="그림 5">
+            <a:extLst>
+              <a:ext uri="{FF2B5EF4-FFF2-40B4-BE49-F238E27FC236}">
+                <a16:creationId xmlns:a16="http://schemas.microsoft.com/office/drawing/2014/main" id="{A32048A7-8847-4F2A-9EE3-228C18BF20D1}"/>
+              </a:ext>
+            </a:extLst>
+          </p:cNvPr>
+          <p:cNvPicPr>
+            <a:picLocks noChangeAspect="1"/>
+          </p:cNvPicPr>
+          <p:nvPr/>
+        </p:nvPicPr>
+        <p:blipFill>
+          <a:blip r:embed="rId3"/>
+          <a:stretch>
+            <a:fillRect/>
+          </a:stretch>
+        </p:blipFill>
+        <p:spPr>
+          <a:xfrm>
+            <a:off x="6018144" y="978590"/>
+            <a:ext cx="5562600" cy="3867150"/>
+          </a:xfrm>
+          <a:prstGeom prst="rect">
+            <a:avLst/>
+          </a:prstGeom>
+        </p:spPr>
+      </p:pic>
     </p:spTree>
     <p:extLst>
       <p:ext uri="{BB962C8B-B14F-4D97-AF65-F5344CB8AC3E}">
@@ -3906,6 +4199,115 @@
                 <a:latin typeface="나눔스퀘어" panose="020B0600000101010101" pitchFamily="50" charset="-127"/>
                 <a:ea typeface="나눔스퀘어" panose="020B0600000101010101" pitchFamily="50" charset="-127"/>
               </a:rPr>
+              <a:t>Singleton</a:t>
+            </a:r>
+            <a:r>
+              <a:rPr lang="ko-KR" altLang="en-US">
+                <a:latin typeface="나눔스퀘어" panose="020B0600000101010101" pitchFamily="50" charset="-127"/>
+                <a:ea typeface="나눔스퀘어" panose="020B0600000101010101" pitchFamily="50" charset="-127"/>
+              </a:rPr>
+              <a:t> 패턴</a:t>
+            </a:r>
+            <a:endParaRPr lang="en-US" altLang="ko-KR" sz="1800">
+              <a:latin typeface="나눔스퀘어" panose="020B0600000101010101" pitchFamily="50" charset="-127"/>
+              <a:ea typeface="나눔스퀘어" panose="020B0600000101010101" pitchFamily="50" charset="-127"/>
+            </a:endParaRPr>
+          </a:p>
+        </p:txBody>
+      </p:sp>
+      <p:pic>
+        <p:nvPicPr>
+          <p:cNvPr id="5" name="그림 4">
+            <a:extLst>
+              <a:ext uri="{FF2B5EF4-FFF2-40B4-BE49-F238E27FC236}">
+                <a16:creationId xmlns:a16="http://schemas.microsoft.com/office/drawing/2014/main" id="{5051AD54-1D94-48AA-BBB7-FEA9395F246C}"/>
+              </a:ext>
+            </a:extLst>
+          </p:cNvPr>
+          <p:cNvPicPr>
+            <a:picLocks noChangeAspect="1"/>
+          </p:cNvPicPr>
+          <p:nvPr/>
+        </p:nvPicPr>
+        <p:blipFill>
+          <a:blip r:embed="rId2"/>
+          <a:stretch>
+            <a:fillRect/>
+          </a:stretch>
+        </p:blipFill>
+        <p:spPr>
+          <a:xfrm>
+            <a:off x="3319462" y="2038350"/>
+            <a:ext cx="5553075" cy="2781300"/>
+          </a:xfrm>
+          <a:prstGeom prst="rect">
+            <a:avLst/>
+          </a:prstGeom>
+        </p:spPr>
+      </p:pic>
+    </p:spTree>
+    <p:extLst>
+      <p:ext uri="{BB962C8B-B14F-4D97-AF65-F5344CB8AC3E}">
+        <p14:creationId xmlns:p14="http://schemas.microsoft.com/office/powerpoint/2010/main" val="2412037760"/>
+      </p:ext>
+    </p:extLst>
+  </p:cSld>
+  <p:clrMapOvr>
+    <a:masterClrMapping/>
+  </p:clrMapOvr>
+</p:sld>
+</file>
+
+<file path=ppt/slides/slide14.xml><?xml version="1.0" encoding="utf-8"?>
+<p:sld xmlns:a="http://schemas.openxmlformats.org/drawingml/2006/main" xmlns:r="http://schemas.openxmlformats.org/officeDocument/2006/relationships" xmlns:p="http://schemas.openxmlformats.org/presentationml/2006/main">
+  <p:cSld>
+    <p:spTree>
+      <p:nvGrpSpPr>
+        <p:cNvPr id="1" name=""/>
+        <p:cNvGrpSpPr/>
+        <p:nvPr/>
+      </p:nvGrpSpPr>
+      <p:grpSpPr>
+        <a:xfrm>
+          <a:off x="0" y="0"/>
+          <a:ext cx="0" cy="0"/>
+          <a:chOff x="0" y="0"/>
+          <a:chExt cx="0" cy="0"/>
+        </a:xfrm>
+      </p:grpSpPr>
+      <p:sp>
+        <p:nvSpPr>
+          <p:cNvPr id="4" name="TextBox 3">
+            <a:extLst>
+              <a:ext uri="{FF2B5EF4-FFF2-40B4-BE49-F238E27FC236}">
+                <a16:creationId xmlns:a16="http://schemas.microsoft.com/office/drawing/2014/main" id="{4F47A168-77F1-4A09-B216-E6DD33D57A22}"/>
+              </a:ext>
+            </a:extLst>
+          </p:cNvPr>
+          <p:cNvSpPr txBox="1"/>
+          <p:nvPr/>
+        </p:nvSpPr>
+        <p:spPr>
+          <a:xfrm>
+            <a:off x="252919" y="211688"/>
+            <a:ext cx="5399736" cy="369332"/>
+          </a:xfrm>
+          <a:prstGeom prst="rect">
+            <a:avLst/>
+          </a:prstGeom>
+          <a:noFill/>
+        </p:spPr>
+        <p:txBody>
+          <a:bodyPr wrap="square" rtlCol="0">
+            <a:spAutoFit/>
+          </a:bodyPr>
+          <a:lstStyle/>
+          <a:p>
+            <a:r>
+              <a:rPr lang="en-US" altLang="ko-KR">
+                <a:latin typeface="나눔스퀘어" panose="020B0600000101010101" pitchFamily="50" charset="-127"/>
+                <a:ea typeface="나눔스퀘어" panose="020B0600000101010101" pitchFamily="50" charset="-127"/>
+              </a:rPr>
               <a:t>Repository</a:t>
             </a:r>
             <a:r>
@@ -4024,6 +4426,115 @@
     <p:extLst>
       <p:ext uri="{BB962C8B-B14F-4D97-AF65-F5344CB8AC3E}">
         <p14:creationId xmlns:p14="http://schemas.microsoft.com/office/powerpoint/2010/main" val="1849132500"/>
+      </p:ext>
+    </p:extLst>
+  </p:cSld>
+  <p:clrMapOvr>
+    <a:masterClrMapping/>
+  </p:clrMapOvr>
+</p:sld>
+</file>
+
+<file path=ppt/slides/slide15.xml><?xml version="1.0" encoding="utf-8"?>
+<p:sld xmlns:a="http://schemas.openxmlformats.org/drawingml/2006/main" xmlns:r="http://schemas.openxmlformats.org/officeDocument/2006/relationships" xmlns:p="http://schemas.openxmlformats.org/presentationml/2006/main">
+  <p:cSld>
+    <p:spTree>
+      <p:nvGrpSpPr>
+        <p:cNvPr id="1" name=""/>
+        <p:cNvGrpSpPr/>
+        <p:nvPr/>
+      </p:nvGrpSpPr>
+      <p:grpSpPr>
+        <a:xfrm>
+          <a:off x="0" y="0"/>
+          <a:ext cx="0" cy="0"/>
+          <a:chOff x="0" y="0"/>
+          <a:chExt cx="0" cy="0"/>
+        </a:xfrm>
+      </p:grpSpPr>
+      <p:sp>
+        <p:nvSpPr>
+          <p:cNvPr id="4" name="TextBox 3">
+            <a:extLst>
+              <a:ext uri="{FF2B5EF4-FFF2-40B4-BE49-F238E27FC236}">
+                <a16:creationId xmlns:a16="http://schemas.microsoft.com/office/drawing/2014/main" id="{4F47A168-77F1-4A09-B216-E6DD33D57A22}"/>
+              </a:ext>
+            </a:extLst>
+          </p:cNvPr>
+          <p:cNvSpPr txBox="1"/>
+          <p:nvPr/>
+        </p:nvSpPr>
+        <p:spPr>
+          <a:xfrm>
+            <a:off x="252919" y="211688"/>
+            <a:ext cx="5399736" cy="369332"/>
+          </a:xfrm>
+          <a:prstGeom prst="rect">
+            <a:avLst/>
+          </a:prstGeom>
+          <a:noFill/>
+        </p:spPr>
+        <p:txBody>
+          <a:bodyPr wrap="square" rtlCol="0">
+            <a:spAutoFit/>
+          </a:bodyPr>
+          <a:lstStyle/>
+          <a:p>
+            <a:r>
+              <a:rPr lang="en-US" altLang="ko-KR">
+                <a:latin typeface="나눔스퀘어" panose="020B0600000101010101" pitchFamily="50" charset="-127"/>
+                <a:ea typeface="나눔스퀘어" panose="020B0600000101010101" pitchFamily="50" charset="-127"/>
+              </a:rPr>
+              <a:t>Repository</a:t>
+            </a:r>
+            <a:r>
+              <a:rPr lang="ko-KR" altLang="en-US">
+                <a:latin typeface="나눔스퀘어" panose="020B0600000101010101" pitchFamily="50" charset="-127"/>
+                <a:ea typeface="나눔스퀘어" panose="020B0600000101010101" pitchFamily="50" charset="-127"/>
+              </a:rPr>
+              <a:t> 패턴</a:t>
+            </a:r>
+            <a:endParaRPr lang="en-US" altLang="ko-KR" sz="1800">
+              <a:latin typeface="나눔스퀘어" panose="020B0600000101010101" pitchFamily="50" charset="-127"/>
+              <a:ea typeface="나눔스퀘어" panose="020B0600000101010101" pitchFamily="50" charset="-127"/>
+            </a:endParaRPr>
+          </a:p>
+        </p:txBody>
+      </p:sp>
+      <p:pic>
+        <p:nvPicPr>
+          <p:cNvPr id="5" name="그림 4">
+            <a:extLst>
+              <a:ext uri="{FF2B5EF4-FFF2-40B4-BE49-F238E27FC236}">
+                <a16:creationId xmlns:a16="http://schemas.microsoft.com/office/drawing/2014/main" id="{CAB68E8E-991C-4630-BE97-B791E2414F91}"/>
+              </a:ext>
+            </a:extLst>
+          </p:cNvPr>
+          <p:cNvPicPr>
+            <a:picLocks noChangeAspect="1"/>
+          </p:cNvPicPr>
+          <p:nvPr/>
+        </p:nvPicPr>
+        <p:blipFill>
+          <a:blip r:embed="rId2"/>
+          <a:stretch>
+            <a:fillRect/>
+          </a:stretch>
+        </p:blipFill>
+        <p:spPr>
+          <a:xfrm>
+            <a:off x="3237721" y="810601"/>
+            <a:ext cx="5404563" cy="5567843"/>
+          </a:xfrm>
+          <a:prstGeom prst="rect">
+            <a:avLst/>
+          </a:prstGeom>
+        </p:spPr>
+      </p:pic>
+    </p:spTree>
+    <p:extLst>
+      <p:ext uri="{BB962C8B-B14F-4D97-AF65-F5344CB8AC3E}">
+        <p14:creationId xmlns:p14="http://schemas.microsoft.com/office/powerpoint/2010/main" val="2380636554"/>
       </p:ext>
     </p:extLst>
   </p:cSld>
